--- a/make_presentation/templates/templates/classic/_37.pptx
+++ b/make_presentation/templates/templates/classic/_37.pptx
@@ -328,7 +328,7 @@
             <a:pPr algn="r">
               <a:buNone/>
             </a:pPr>
-            <a:fld id="{FB06EBDB-2B9B-4ABC-9110-94D6400FC4CF}" type="slidenum">
+            <a:fld id="{28960DF0-B07D-4C2C-BE16-737377EF6289}" type="slidenum">
               <a:rPr b="0" lang="en-US" sz="1400" spc="-1" strike="noStrike">
                 <a:latin typeface="Times New Roman"/>
               </a:rPr>
@@ -376,7 +376,7 @@
         <p:spPr>
           <a:xfrm>
             <a:off x="380880" y="685800"/>
-            <a:ext cx="6090840" cy="3423960"/>
+            <a:ext cx="6090480" cy="3423600"/>
           </a:xfrm>
           <a:prstGeom prst="rect">
             <a:avLst/>
@@ -399,7 +399,7 @@
         <p:spPr>
           <a:xfrm>
             <a:off x="685800" y="4343400"/>
-            <a:ext cx="5481360" cy="4109760"/>
+            <a:ext cx="5481000" cy="4109400"/>
           </a:xfrm>
           <a:prstGeom prst="rect">
             <a:avLst/>
@@ -433,7 +433,7 @@
         <p:spPr>
           <a:xfrm>
             <a:off x="3884760" y="8685360"/>
-            <a:ext cx="2966760" cy="452160"/>
+            <a:ext cx="2966400" cy="451800"/>
           </a:xfrm>
           <a:prstGeom prst="rect">
             <a:avLst/>
@@ -469,7 +469,7 @@
               </a:lnSpc>
               <a:buNone/>
             </a:pPr>
-            <a:fld id="{247377B8-D405-4C89-84C0-05236A8F8C77}" type="slidenum">
+            <a:fld id="{DBFB9EB3-B687-4D58-B0F0-B40910BA04FE}" type="slidenum">
               <a:rPr b="0" lang="en-US" sz="1200" spc="-1" strike="noStrike">
                 <a:solidFill>
                   <a:srgbClr val="000000"/>
@@ -520,7 +520,7 @@
         <p:spPr>
           <a:xfrm>
             <a:off x="380880" y="685800"/>
-            <a:ext cx="6090840" cy="3423960"/>
+            <a:ext cx="6090480" cy="3423600"/>
           </a:xfrm>
           <a:prstGeom prst="rect">
             <a:avLst/>
@@ -543,7 +543,7 @@
         <p:spPr>
           <a:xfrm>
             <a:off x="685800" y="4343400"/>
-            <a:ext cx="5481360" cy="4109760"/>
+            <a:ext cx="5481000" cy="4109400"/>
           </a:xfrm>
           <a:prstGeom prst="rect">
             <a:avLst/>
@@ -577,7 +577,7 @@
         <p:spPr>
           <a:xfrm>
             <a:off x="3884760" y="8685360"/>
-            <a:ext cx="2966760" cy="452160"/>
+            <a:ext cx="2966400" cy="451800"/>
           </a:xfrm>
           <a:prstGeom prst="rect">
             <a:avLst/>
@@ -613,7 +613,7 @@
               </a:lnSpc>
               <a:buNone/>
             </a:pPr>
-            <a:fld id="{4F8B9570-15A4-4B9A-97ED-D2D5E5316469}" type="slidenum">
+            <a:fld id="{DC7FDC0D-06B9-4774-A909-8A73A744783F}" type="slidenum">
               <a:rPr b="0" lang="en-US" sz="1200" spc="-1" strike="noStrike">
                 <a:solidFill>
                   <a:srgbClr val="000000"/>
@@ -664,7 +664,7 @@
         <p:spPr>
           <a:xfrm>
             <a:off x="380880" y="685800"/>
-            <a:ext cx="6090840" cy="3423960"/>
+            <a:ext cx="6090480" cy="3423600"/>
           </a:xfrm>
           <a:prstGeom prst="rect">
             <a:avLst/>
@@ -687,7 +687,7 @@
         <p:spPr>
           <a:xfrm>
             <a:off x="685800" y="4343400"/>
-            <a:ext cx="5481360" cy="4109760"/>
+            <a:ext cx="5481000" cy="4109400"/>
           </a:xfrm>
           <a:prstGeom prst="rect">
             <a:avLst/>
@@ -721,7 +721,7 @@
         <p:spPr>
           <a:xfrm>
             <a:off x="3884760" y="8685360"/>
-            <a:ext cx="2966760" cy="452160"/>
+            <a:ext cx="2966400" cy="451800"/>
           </a:xfrm>
           <a:prstGeom prst="rect">
             <a:avLst/>
@@ -757,7 +757,7 @@
               </a:lnSpc>
               <a:buNone/>
             </a:pPr>
-            <a:fld id="{FB67D56D-E37C-41E3-A4B8-2272E348C60E}" type="slidenum">
+            <a:fld id="{05C694B6-879F-4673-800B-BFB0BEC818EB}" type="slidenum">
               <a:rPr b="0" lang="en-US" sz="1200" spc="-1" strike="noStrike">
                 <a:solidFill>
                   <a:srgbClr val="000000"/>
@@ -808,7 +808,7 @@
         <p:spPr>
           <a:xfrm>
             <a:off x="380880" y="685800"/>
-            <a:ext cx="6090840" cy="3423960"/>
+            <a:ext cx="6090480" cy="3423600"/>
           </a:xfrm>
           <a:prstGeom prst="rect">
             <a:avLst/>
@@ -831,7 +831,7 @@
         <p:spPr>
           <a:xfrm>
             <a:off x="685800" y="4343400"/>
-            <a:ext cx="5481360" cy="4109760"/>
+            <a:ext cx="5481000" cy="4109400"/>
           </a:xfrm>
           <a:prstGeom prst="rect">
             <a:avLst/>
@@ -865,7 +865,7 @@
         <p:spPr>
           <a:xfrm>
             <a:off x="3884760" y="8685360"/>
-            <a:ext cx="2966760" cy="452160"/>
+            <a:ext cx="2966400" cy="451800"/>
           </a:xfrm>
           <a:prstGeom prst="rect">
             <a:avLst/>
@@ -901,7 +901,7 @@
               </a:lnSpc>
               <a:buNone/>
             </a:pPr>
-            <a:fld id="{3E1CDA07-C9AE-4F13-8F37-79028EC6C87F}" type="slidenum">
+            <a:fld id="{7829676A-D777-4282-8BC5-283DDF617276}" type="slidenum">
               <a:rPr b="0" lang="en-US" sz="1200" spc="-1" strike="noStrike">
                 <a:solidFill>
                   <a:srgbClr val="000000"/>
@@ -952,7 +952,7 @@
         <p:spPr>
           <a:xfrm>
             <a:off x="380880" y="685800"/>
-            <a:ext cx="6090840" cy="3423960"/>
+            <a:ext cx="6090480" cy="3423600"/>
           </a:xfrm>
           <a:prstGeom prst="rect">
             <a:avLst/>
@@ -975,7 +975,7 @@
         <p:spPr>
           <a:xfrm>
             <a:off x="685800" y="4343400"/>
-            <a:ext cx="5481360" cy="4109760"/>
+            <a:ext cx="5481000" cy="4109400"/>
           </a:xfrm>
           <a:prstGeom prst="rect">
             <a:avLst/>
@@ -1009,7 +1009,7 @@
         <p:spPr>
           <a:xfrm>
             <a:off x="3884760" y="8685360"/>
-            <a:ext cx="2966760" cy="452160"/>
+            <a:ext cx="2966400" cy="451800"/>
           </a:xfrm>
           <a:prstGeom prst="rect">
             <a:avLst/>
@@ -1045,7 +1045,7 @@
               </a:lnSpc>
               <a:buNone/>
             </a:pPr>
-            <a:fld id="{C2F7AB59-F33D-4038-92D2-7FBA6E06B0F2}" type="slidenum">
+            <a:fld id="{1ACE2A7C-7B0E-448F-9191-688FEFF0947F}" type="slidenum">
               <a:rPr b="0" lang="en-US" sz="1200" spc="-1" strike="noStrike">
                 <a:solidFill>
                   <a:srgbClr val="000000"/>
@@ -1096,7 +1096,7 @@
         <p:spPr>
           <a:xfrm>
             <a:off x="380880" y="685800"/>
-            <a:ext cx="6090840" cy="3423960"/>
+            <a:ext cx="6090480" cy="3423600"/>
           </a:xfrm>
           <a:prstGeom prst="rect">
             <a:avLst/>
@@ -1119,7 +1119,7 @@
         <p:spPr>
           <a:xfrm>
             <a:off x="685800" y="4343400"/>
-            <a:ext cx="5481360" cy="4109760"/>
+            <a:ext cx="5481000" cy="4109400"/>
           </a:xfrm>
           <a:prstGeom prst="rect">
             <a:avLst/>
@@ -1153,7 +1153,7 @@
         <p:spPr>
           <a:xfrm>
             <a:off x="3884760" y="8685360"/>
-            <a:ext cx="2966760" cy="452160"/>
+            <a:ext cx="2966400" cy="451800"/>
           </a:xfrm>
           <a:prstGeom prst="rect">
             <a:avLst/>
@@ -1189,7 +1189,7 @@
               </a:lnSpc>
               <a:buNone/>
             </a:pPr>
-            <a:fld id="{C2C77A41-EE75-4CF1-ACDE-400216F252C8}" type="slidenum">
+            <a:fld id="{84914CBB-A8FD-4C1D-93EB-8E2384919E05}" type="slidenum">
               <a:rPr b="0" lang="en-US" sz="1200" spc="-1" strike="noStrike">
                 <a:solidFill>
                   <a:srgbClr val="000000"/>
@@ -1240,7 +1240,7 @@
         <p:spPr>
           <a:xfrm>
             <a:off x="380880" y="685800"/>
-            <a:ext cx="6090840" cy="3423960"/>
+            <a:ext cx="6090480" cy="3423600"/>
           </a:xfrm>
           <a:prstGeom prst="rect">
             <a:avLst/>
@@ -1263,7 +1263,7 @@
         <p:spPr>
           <a:xfrm>
             <a:off x="685800" y="4343400"/>
-            <a:ext cx="5481360" cy="4109760"/>
+            <a:ext cx="5481000" cy="4109400"/>
           </a:xfrm>
           <a:prstGeom prst="rect">
             <a:avLst/>
@@ -1297,7 +1297,7 @@
         <p:spPr>
           <a:xfrm>
             <a:off x="3884760" y="8685360"/>
-            <a:ext cx="2966760" cy="452160"/>
+            <a:ext cx="2966400" cy="451800"/>
           </a:xfrm>
           <a:prstGeom prst="rect">
             <a:avLst/>
@@ -1333,7 +1333,7 @@
               </a:lnSpc>
               <a:buNone/>
             </a:pPr>
-            <a:fld id="{8B8D25D5-74CA-45B8-AC2E-A293D8B824D8}" type="slidenum">
+            <a:fld id="{CDDE7EDB-6EFB-47A6-B754-443212ABB52B}" type="slidenum">
               <a:rPr b="0" lang="en-US" sz="1200" spc="-1" strike="noStrike">
                 <a:solidFill>
                   <a:srgbClr val="000000"/>
@@ -1384,7 +1384,7 @@
         <p:spPr>
           <a:xfrm>
             <a:off x="380880" y="685800"/>
-            <a:ext cx="6090840" cy="3423960"/>
+            <a:ext cx="6090480" cy="3423600"/>
           </a:xfrm>
           <a:prstGeom prst="rect">
             <a:avLst/>
@@ -1407,7 +1407,7 @@
         <p:spPr>
           <a:xfrm>
             <a:off x="685800" y="4343400"/>
-            <a:ext cx="5481360" cy="4109760"/>
+            <a:ext cx="5481000" cy="4109400"/>
           </a:xfrm>
           <a:prstGeom prst="rect">
             <a:avLst/>
@@ -1441,7 +1441,7 @@
         <p:spPr>
           <a:xfrm>
             <a:off x="3884760" y="8685360"/>
-            <a:ext cx="2966760" cy="452160"/>
+            <a:ext cx="2966400" cy="451800"/>
           </a:xfrm>
           <a:prstGeom prst="rect">
             <a:avLst/>
@@ -1477,7 +1477,7 @@
               </a:lnSpc>
               <a:buNone/>
             </a:pPr>
-            <a:fld id="{BD4B8A90-7764-4131-9400-9517CDDC87BF}" type="slidenum">
+            <a:fld id="{5C7793EB-F11E-4467-8E5F-1751EE12ECB6}" type="slidenum">
               <a:rPr b="0" lang="en-US" sz="1200" spc="-1" strike="noStrike">
                 <a:solidFill>
                   <a:srgbClr val="000000"/>
@@ -1528,7 +1528,7 @@
         <p:spPr>
           <a:xfrm>
             <a:off x="380880" y="685800"/>
-            <a:ext cx="6090840" cy="3423960"/>
+            <a:ext cx="6090480" cy="3423600"/>
           </a:xfrm>
           <a:prstGeom prst="rect">
             <a:avLst/>
@@ -1551,7 +1551,7 @@
         <p:spPr>
           <a:xfrm>
             <a:off x="685800" y="4343400"/>
-            <a:ext cx="5481360" cy="4109760"/>
+            <a:ext cx="5481000" cy="4109400"/>
           </a:xfrm>
           <a:prstGeom prst="rect">
             <a:avLst/>
@@ -1585,7 +1585,7 @@
         <p:spPr>
           <a:xfrm>
             <a:off x="3884760" y="8685360"/>
-            <a:ext cx="2966760" cy="452160"/>
+            <a:ext cx="2966400" cy="451800"/>
           </a:xfrm>
           <a:prstGeom prst="rect">
             <a:avLst/>
@@ -1621,7 +1621,7 @@
               </a:lnSpc>
               <a:buNone/>
             </a:pPr>
-            <a:fld id="{D763B360-B4F5-47A5-B621-190DB395ADB9}" type="slidenum">
+            <a:fld id="{FCCCC97D-E80C-4ACF-A028-DC084D39DE22}" type="slidenum">
               <a:rPr b="0" lang="en-US" sz="1200" spc="-1" strike="noStrike">
                 <a:solidFill>
                   <a:srgbClr val="000000"/>
@@ -1672,7 +1672,7 @@
         <p:spPr>
           <a:xfrm>
             <a:off x="380880" y="685800"/>
-            <a:ext cx="6090840" cy="3423960"/>
+            <a:ext cx="6090480" cy="3423600"/>
           </a:xfrm>
           <a:prstGeom prst="rect">
             <a:avLst/>
@@ -1695,7 +1695,7 @@
         <p:spPr>
           <a:xfrm>
             <a:off x="685800" y="4343400"/>
-            <a:ext cx="5481360" cy="4109760"/>
+            <a:ext cx="5481000" cy="4109400"/>
           </a:xfrm>
           <a:prstGeom prst="rect">
             <a:avLst/>
@@ -1729,7 +1729,7 @@
         <p:spPr>
           <a:xfrm>
             <a:off x="3884760" y="8685360"/>
-            <a:ext cx="2966760" cy="452160"/>
+            <a:ext cx="2966400" cy="451800"/>
           </a:xfrm>
           <a:prstGeom prst="rect">
             <a:avLst/>
@@ -1765,7 +1765,7 @@
               </a:lnSpc>
               <a:buNone/>
             </a:pPr>
-            <a:fld id="{E8E93552-92B0-45D6-ABEF-037B5C6CB28B}" type="slidenum">
+            <a:fld id="{4725E971-64DF-4D73-A8BA-F34549F44104}" type="slidenum">
               <a:rPr b="0" lang="en-US" sz="1200" spc="-1" strike="noStrike">
                 <a:solidFill>
                   <a:srgbClr val="000000"/>
@@ -1816,7 +1816,7 @@
         <p:spPr>
           <a:xfrm>
             <a:off x="380880" y="685800"/>
-            <a:ext cx="6090840" cy="3423960"/>
+            <a:ext cx="6090480" cy="3423600"/>
           </a:xfrm>
           <a:prstGeom prst="rect">
             <a:avLst/>
@@ -1839,7 +1839,7 @@
         <p:spPr>
           <a:xfrm>
             <a:off x="685800" y="4343400"/>
-            <a:ext cx="5481360" cy="4109760"/>
+            <a:ext cx="5481000" cy="4109400"/>
           </a:xfrm>
           <a:prstGeom prst="rect">
             <a:avLst/>
@@ -1873,7 +1873,7 @@
         <p:spPr>
           <a:xfrm>
             <a:off x="3884760" y="8685360"/>
-            <a:ext cx="2966760" cy="452160"/>
+            <a:ext cx="2966400" cy="451800"/>
           </a:xfrm>
           <a:prstGeom prst="rect">
             <a:avLst/>
@@ -1909,7 +1909,7 @@
               </a:lnSpc>
               <a:buNone/>
             </a:pPr>
-            <a:fld id="{1E04C4CA-E3C8-4B48-A1F8-3F7326C2395F}" type="slidenum">
+            <a:fld id="{E69EC7DC-09C8-4AA5-9B32-38AAA596ECAC}" type="slidenum">
               <a:rPr b="0" lang="en-US" sz="1200" spc="-1" strike="noStrike">
                 <a:solidFill>
                   <a:srgbClr val="000000"/>
@@ -1960,7 +1960,7 @@
         <p:spPr>
           <a:xfrm>
             <a:off x="380880" y="685800"/>
-            <a:ext cx="6090840" cy="3423960"/>
+            <a:ext cx="6090480" cy="3423600"/>
           </a:xfrm>
           <a:prstGeom prst="rect">
             <a:avLst/>
@@ -1983,7 +1983,7 @@
         <p:spPr>
           <a:xfrm>
             <a:off x="685800" y="4343400"/>
-            <a:ext cx="5481360" cy="4109760"/>
+            <a:ext cx="5481000" cy="4109400"/>
           </a:xfrm>
           <a:prstGeom prst="rect">
             <a:avLst/>
@@ -2017,7 +2017,7 @@
         <p:spPr>
           <a:xfrm>
             <a:off x="3884760" y="8685360"/>
-            <a:ext cx="2966760" cy="452160"/>
+            <a:ext cx="2966400" cy="451800"/>
           </a:xfrm>
           <a:prstGeom prst="rect">
             <a:avLst/>
@@ -2053,7 +2053,7 @@
               </a:lnSpc>
               <a:buNone/>
             </a:pPr>
-            <a:fld id="{DFE1AAEE-00C9-4C1F-9F99-A0AC85716A62}" type="slidenum">
+            <a:fld id="{55EED335-DD44-4CB8-A2ED-673A7BCCDC91}" type="slidenum">
               <a:rPr b="0" lang="en-US" sz="1200" spc="-1" strike="noStrike">
                 <a:solidFill>
                   <a:srgbClr val="000000"/>
@@ -2104,7 +2104,7 @@
         <p:spPr>
           <a:xfrm>
             <a:off x="380880" y="685800"/>
-            <a:ext cx="6090840" cy="3423960"/>
+            <a:ext cx="6090480" cy="3423600"/>
           </a:xfrm>
           <a:prstGeom prst="rect">
             <a:avLst/>
@@ -2127,7 +2127,7 @@
         <p:spPr>
           <a:xfrm>
             <a:off x="685800" y="4343400"/>
-            <a:ext cx="5481360" cy="4109760"/>
+            <a:ext cx="5481000" cy="4109400"/>
           </a:xfrm>
           <a:prstGeom prst="rect">
             <a:avLst/>
@@ -2161,7 +2161,7 @@
         <p:spPr>
           <a:xfrm>
             <a:off x="3884760" y="8685360"/>
-            <a:ext cx="2966760" cy="452160"/>
+            <a:ext cx="2966400" cy="451800"/>
           </a:xfrm>
           <a:prstGeom prst="rect">
             <a:avLst/>
@@ -2197,7 +2197,7 @@
               </a:lnSpc>
               <a:buNone/>
             </a:pPr>
-            <a:fld id="{070EF5A3-B370-4695-A54B-87E316277835}" type="slidenum">
+            <a:fld id="{BA360E8B-E868-4DBF-9983-ED04BAC1F95D}" type="slidenum">
               <a:rPr b="0" lang="en-US" sz="1200" spc="-1" strike="noStrike">
                 <a:solidFill>
                   <a:srgbClr val="000000"/>
@@ -2248,7 +2248,7 @@
         <p:spPr>
           <a:xfrm>
             <a:off x="380880" y="685800"/>
-            <a:ext cx="6090840" cy="3423960"/>
+            <a:ext cx="6090480" cy="3423600"/>
           </a:xfrm>
           <a:prstGeom prst="rect">
             <a:avLst/>
@@ -2271,7 +2271,7 @@
         <p:spPr>
           <a:xfrm>
             <a:off x="685800" y="4343400"/>
-            <a:ext cx="5481360" cy="4109760"/>
+            <a:ext cx="5481000" cy="4109400"/>
           </a:xfrm>
           <a:prstGeom prst="rect">
             <a:avLst/>
@@ -2305,7 +2305,7 @@
         <p:spPr>
           <a:xfrm>
             <a:off x="3884760" y="8685360"/>
-            <a:ext cx="2966760" cy="452160"/>
+            <a:ext cx="2966400" cy="451800"/>
           </a:xfrm>
           <a:prstGeom prst="rect">
             <a:avLst/>
@@ -2341,7 +2341,7 @@
               </a:lnSpc>
               <a:buNone/>
             </a:pPr>
-            <a:fld id="{E4563098-61BB-428B-8E71-028362C66A32}" type="slidenum">
+            <a:fld id="{28877E55-27B9-4E63-A216-811E935FE089}" type="slidenum">
               <a:rPr b="0" lang="en-US" sz="1200" spc="-1" strike="noStrike">
                 <a:solidFill>
                   <a:srgbClr val="000000"/>
@@ -2392,7 +2392,7 @@
         <p:spPr>
           <a:xfrm>
             <a:off x="380880" y="685800"/>
-            <a:ext cx="6090840" cy="3423960"/>
+            <a:ext cx="6090480" cy="3423600"/>
           </a:xfrm>
           <a:prstGeom prst="rect">
             <a:avLst/>
@@ -2415,7 +2415,7 @@
         <p:spPr>
           <a:xfrm>
             <a:off x="685800" y="4343400"/>
-            <a:ext cx="5481360" cy="4109760"/>
+            <a:ext cx="5481000" cy="4109400"/>
           </a:xfrm>
           <a:prstGeom prst="rect">
             <a:avLst/>
@@ -2449,7 +2449,7 @@
         <p:spPr>
           <a:xfrm>
             <a:off x="3884760" y="8685360"/>
-            <a:ext cx="2966760" cy="452160"/>
+            <a:ext cx="2966400" cy="451800"/>
           </a:xfrm>
           <a:prstGeom prst="rect">
             <a:avLst/>
@@ -2485,7 +2485,7 @@
               </a:lnSpc>
               <a:buNone/>
             </a:pPr>
-            <a:fld id="{6A044809-68C9-484E-9B31-49D4AC07BBAD}" type="slidenum">
+            <a:fld id="{17B42DEB-AD2C-4B44-932B-19FB962530F7}" type="slidenum">
               <a:rPr b="0" lang="en-US" sz="1200" spc="-1" strike="noStrike">
                 <a:solidFill>
                   <a:srgbClr val="000000"/>
@@ -2536,7 +2536,7 @@
         <p:spPr>
           <a:xfrm>
             <a:off x="380880" y="685800"/>
-            <a:ext cx="6090840" cy="3423960"/>
+            <a:ext cx="6090480" cy="3423600"/>
           </a:xfrm>
           <a:prstGeom prst="rect">
             <a:avLst/>
@@ -2559,7 +2559,7 @@
         <p:spPr>
           <a:xfrm>
             <a:off x="685800" y="4343400"/>
-            <a:ext cx="5481360" cy="4109760"/>
+            <a:ext cx="5481000" cy="4109400"/>
           </a:xfrm>
           <a:prstGeom prst="rect">
             <a:avLst/>
@@ -2593,7 +2593,7 @@
         <p:spPr>
           <a:xfrm>
             <a:off x="3884760" y="8685360"/>
-            <a:ext cx="2966760" cy="452160"/>
+            <a:ext cx="2966400" cy="451800"/>
           </a:xfrm>
           <a:prstGeom prst="rect">
             <a:avLst/>
@@ -2629,7 +2629,7 @@
               </a:lnSpc>
               <a:buNone/>
             </a:pPr>
-            <a:fld id="{46029B73-C96A-4619-A4ED-4073FA6B346B}" type="slidenum">
+            <a:fld id="{269261A4-DF5E-412B-97E9-4C59D112EC0D}" type="slidenum">
               <a:rPr b="0" lang="en-US" sz="1200" spc="-1" strike="noStrike">
                 <a:solidFill>
                   <a:srgbClr val="000000"/>
@@ -2680,7 +2680,7 @@
         <p:spPr>
           <a:xfrm>
             <a:off x="380880" y="685800"/>
-            <a:ext cx="6090840" cy="3423960"/>
+            <a:ext cx="6090480" cy="3423600"/>
           </a:xfrm>
           <a:prstGeom prst="rect">
             <a:avLst/>
@@ -2703,7 +2703,7 @@
         <p:spPr>
           <a:xfrm>
             <a:off x="685800" y="4343400"/>
-            <a:ext cx="5481360" cy="4109760"/>
+            <a:ext cx="5481000" cy="4109400"/>
           </a:xfrm>
           <a:prstGeom prst="rect">
             <a:avLst/>
@@ -2737,7 +2737,7 @@
         <p:spPr>
           <a:xfrm>
             <a:off x="3884760" y="8685360"/>
-            <a:ext cx="2966760" cy="452160"/>
+            <a:ext cx="2966400" cy="451800"/>
           </a:xfrm>
           <a:prstGeom prst="rect">
             <a:avLst/>
@@ -2773,7 +2773,7 @@
               </a:lnSpc>
               <a:buNone/>
             </a:pPr>
-            <a:fld id="{2BD4C4ED-EC7A-4EE8-8EDF-D4F9439E07C7}" type="slidenum">
+            <a:fld id="{F9210D42-3C7C-451F-98C0-675B0BBCB81D}" type="slidenum">
               <a:rPr b="0" lang="en-US" sz="1200" spc="-1" strike="noStrike">
                 <a:solidFill>
                   <a:srgbClr val="000000"/>
@@ -2824,7 +2824,7 @@
         <p:spPr>
           <a:xfrm>
             <a:off x="380880" y="685800"/>
-            <a:ext cx="6090840" cy="3423960"/>
+            <a:ext cx="6090480" cy="3423600"/>
           </a:xfrm>
           <a:prstGeom prst="rect">
             <a:avLst/>
@@ -2847,7 +2847,7 @@
         <p:spPr>
           <a:xfrm>
             <a:off x="685800" y="4343400"/>
-            <a:ext cx="5481360" cy="4109760"/>
+            <a:ext cx="5481000" cy="4109400"/>
           </a:xfrm>
           <a:prstGeom prst="rect">
             <a:avLst/>
@@ -2881,7 +2881,7 @@
         <p:spPr>
           <a:xfrm>
             <a:off x="3884760" y="8685360"/>
-            <a:ext cx="2966760" cy="452160"/>
+            <a:ext cx="2966400" cy="451800"/>
           </a:xfrm>
           <a:prstGeom prst="rect">
             <a:avLst/>
@@ -2917,7 +2917,7 @@
               </a:lnSpc>
               <a:buNone/>
             </a:pPr>
-            <a:fld id="{B0913883-80F8-44BD-A4EC-2EE0E74F4F4A}" type="slidenum">
+            <a:fld id="{CA2496CF-DA07-488A-AC39-587EF101DEA3}" type="slidenum">
               <a:rPr b="0" lang="en-US" sz="1200" spc="-1" strike="noStrike">
                 <a:solidFill>
                   <a:srgbClr val="000000"/>
@@ -2968,7 +2968,7 @@
         <p:spPr>
           <a:xfrm>
             <a:off x="380880" y="685800"/>
-            <a:ext cx="6090840" cy="3423960"/>
+            <a:ext cx="6090480" cy="3423600"/>
           </a:xfrm>
           <a:prstGeom prst="rect">
             <a:avLst/>
@@ -2991,7 +2991,7 @@
         <p:spPr>
           <a:xfrm>
             <a:off x="685800" y="4343400"/>
-            <a:ext cx="5481360" cy="4109760"/>
+            <a:ext cx="5481000" cy="4109400"/>
           </a:xfrm>
           <a:prstGeom prst="rect">
             <a:avLst/>
@@ -3025,7 +3025,7 @@
         <p:spPr>
           <a:xfrm>
             <a:off x="3884760" y="8685360"/>
-            <a:ext cx="2966760" cy="452160"/>
+            <a:ext cx="2966400" cy="451800"/>
           </a:xfrm>
           <a:prstGeom prst="rect">
             <a:avLst/>
@@ -3061,7 +3061,7 @@
               </a:lnSpc>
               <a:buNone/>
             </a:pPr>
-            <a:fld id="{EC4664D5-90A7-410B-8256-B9A357BA72AC}" type="slidenum">
+            <a:fld id="{96590C43-ED30-4E74-A199-D8D2CDB15272}" type="slidenum">
               <a:rPr b="0" lang="en-US" sz="1200" spc="-1" strike="noStrike">
                 <a:solidFill>
                   <a:srgbClr val="000000"/>
@@ -3112,7 +3112,7 @@
         <p:spPr>
           <a:xfrm>
             <a:off x="380880" y="685800"/>
-            <a:ext cx="6090840" cy="3423960"/>
+            <a:ext cx="6090480" cy="3423600"/>
           </a:xfrm>
           <a:prstGeom prst="rect">
             <a:avLst/>
@@ -3135,7 +3135,7 @@
         <p:spPr>
           <a:xfrm>
             <a:off x="685800" y="4343400"/>
-            <a:ext cx="5481360" cy="4109760"/>
+            <a:ext cx="5481000" cy="4109400"/>
           </a:xfrm>
           <a:prstGeom prst="rect">
             <a:avLst/>
@@ -3169,7 +3169,7 @@
         <p:spPr>
           <a:xfrm>
             <a:off x="3884760" y="8685360"/>
-            <a:ext cx="2966760" cy="452160"/>
+            <a:ext cx="2966400" cy="451800"/>
           </a:xfrm>
           <a:prstGeom prst="rect">
             <a:avLst/>
@@ -3205,7 +3205,7 @@
               </a:lnSpc>
               <a:buNone/>
             </a:pPr>
-            <a:fld id="{98A42061-755E-4B6D-A89E-FBB63D8B780F}" type="slidenum">
+            <a:fld id="{2D39CF99-4904-4FFB-918C-5C15CCC207E6}" type="slidenum">
               <a:rPr b="0" lang="en-US" sz="1200" spc="-1" strike="noStrike">
                 <a:solidFill>
                   <a:srgbClr val="000000"/>
@@ -3256,7 +3256,7 @@
         <p:spPr>
           <a:xfrm>
             <a:off x="380880" y="685800"/>
-            <a:ext cx="6090840" cy="3423960"/>
+            <a:ext cx="6090480" cy="3423600"/>
           </a:xfrm>
           <a:prstGeom prst="rect">
             <a:avLst/>
@@ -3279,7 +3279,7 @@
         <p:spPr>
           <a:xfrm>
             <a:off x="685800" y="4343400"/>
-            <a:ext cx="5481360" cy="4109760"/>
+            <a:ext cx="5481000" cy="4109400"/>
           </a:xfrm>
           <a:prstGeom prst="rect">
             <a:avLst/>
@@ -3313,7 +3313,7 @@
         <p:spPr>
           <a:xfrm>
             <a:off x="3884760" y="8685360"/>
-            <a:ext cx="2966760" cy="452160"/>
+            <a:ext cx="2966400" cy="451800"/>
           </a:xfrm>
           <a:prstGeom prst="rect">
             <a:avLst/>
@@ -3349,7 +3349,7 @@
               </a:lnSpc>
               <a:buNone/>
             </a:pPr>
-            <a:fld id="{86D71559-562C-4700-B8A8-C40EAE7516C1}" type="slidenum">
+            <a:fld id="{4900CECC-D8BA-445F-9A99-129867D0F08D}" type="slidenum">
               <a:rPr b="0" lang="en-US" sz="1200" spc="-1" strike="noStrike">
                 <a:solidFill>
                   <a:srgbClr val="000000"/>
@@ -3400,7 +3400,7 @@
         <p:spPr>
           <a:xfrm>
             <a:off x="380880" y="685800"/>
-            <a:ext cx="6090840" cy="3423960"/>
+            <a:ext cx="6090480" cy="3423600"/>
           </a:xfrm>
           <a:prstGeom prst="rect">
             <a:avLst/>
@@ -3423,7 +3423,7 @@
         <p:spPr>
           <a:xfrm>
             <a:off x="685800" y="4343400"/>
-            <a:ext cx="5481360" cy="4109760"/>
+            <a:ext cx="5481000" cy="4109400"/>
           </a:xfrm>
           <a:prstGeom prst="rect">
             <a:avLst/>
@@ -3457,7 +3457,7 @@
         <p:spPr>
           <a:xfrm>
             <a:off x="3884760" y="8685360"/>
-            <a:ext cx="2966760" cy="452160"/>
+            <a:ext cx="2966400" cy="451800"/>
           </a:xfrm>
           <a:prstGeom prst="rect">
             <a:avLst/>
@@ -3493,7 +3493,7 @@
               </a:lnSpc>
               <a:buNone/>
             </a:pPr>
-            <a:fld id="{C5C3FBBE-B1AD-45D4-A790-21B4DEE743E3}" type="slidenum">
+            <a:fld id="{CC46A9D8-77F6-41B6-A3C4-61FC4A6CBA9E}" type="slidenum">
               <a:rPr b="0" lang="en-US" sz="1200" spc="-1" strike="noStrike">
                 <a:solidFill>
                   <a:srgbClr val="000000"/>
@@ -3544,7 +3544,7 @@
         <p:spPr>
           <a:xfrm>
             <a:off x="380880" y="685800"/>
-            <a:ext cx="6090840" cy="3423960"/>
+            <a:ext cx="6090480" cy="3423600"/>
           </a:xfrm>
           <a:prstGeom prst="rect">
             <a:avLst/>
@@ -3567,7 +3567,7 @@
         <p:spPr>
           <a:xfrm>
             <a:off x="685800" y="4343400"/>
-            <a:ext cx="5481360" cy="4109760"/>
+            <a:ext cx="5481000" cy="4109400"/>
           </a:xfrm>
           <a:prstGeom prst="rect">
             <a:avLst/>
@@ -3601,7 +3601,7 @@
         <p:spPr>
           <a:xfrm>
             <a:off x="3884760" y="8685360"/>
-            <a:ext cx="2966760" cy="452160"/>
+            <a:ext cx="2966400" cy="451800"/>
           </a:xfrm>
           <a:prstGeom prst="rect">
             <a:avLst/>
@@ -3637,7 +3637,7 @@
               </a:lnSpc>
               <a:buNone/>
             </a:pPr>
-            <a:fld id="{30D3527A-6C8E-4A9B-8F78-639B3E087730}" type="slidenum">
+            <a:fld id="{2D1CF827-9221-4BD6-B24A-4E5835B67C54}" type="slidenum">
               <a:rPr b="0" lang="en-US" sz="1200" spc="-1" strike="noStrike">
                 <a:solidFill>
                   <a:srgbClr val="000000"/>
@@ -3688,7 +3688,7 @@
         <p:spPr>
           <a:xfrm>
             <a:off x="380880" y="685800"/>
-            <a:ext cx="6090840" cy="3423960"/>
+            <a:ext cx="6090480" cy="3423600"/>
           </a:xfrm>
           <a:prstGeom prst="rect">
             <a:avLst/>
@@ -3711,7 +3711,7 @@
         <p:spPr>
           <a:xfrm>
             <a:off x="685800" y="4343400"/>
-            <a:ext cx="5481360" cy="4109760"/>
+            <a:ext cx="5481000" cy="4109400"/>
           </a:xfrm>
           <a:prstGeom prst="rect">
             <a:avLst/>
@@ -3745,7 +3745,7 @@
         <p:spPr>
           <a:xfrm>
             <a:off x="3884760" y="8685360"/>
-            <a:ext cx="2966760" cy="452160"/>
+            <a:ext cx="2966400" cy="451800"/>
           </a:xfrm>
           <a:prstGeom prst="rect">
             <a:avLst/>
@@ -3781,7 +3781,7 @@
               </a:lnSpc>
               <a:buNone/>
             </a:pPr>
-            <a:fld id="{13E2CD8E-BB00-4FD2-821C-60C364C16A67}" type="slidenum">
+            <a:fld id="{A3A741C2-26A0-4CBA-B67C-1F8CDF64DFF5}" type="slidenum">
               <a:rPr b="0" lang="en-US" sz="1200" spc="-1" strike="noStrike">
                 <a:solidFill>
                   <a:srgbClr val="000000"/>
@@ -3832,7 +3832,7 @@
         <p:spPr>
           <a:xfrm>
             <a:off x="380880" y="685800"/>
-            <a:ext cx="6090840" cy="3423960"/>
+            <a:ext cx="6090480" cy="3423600"/>
           </a:xfrm>
           <a:prstGeom prst="rect">
             <a:avLst/>
@@ -3855,7 +3855,7 @@
         <p:spPr>
           <a:xfrm>
             <a:off x="685800" y="4343400"/>
-            <a:ext cx="5481360" cy="4109760"/>
+            <a:ext cx="5481000" cy="4109400"/>
           </a:xfrm>
           <a:prstGeom prst="rect">
             <a:avLst/>
@@ -3889,7 +3889,7 @@
         <p:spPr>
           <a:xfrm>
             <a:off x="3884760" y="8685360"/>
-            <a:ext cx="2966760" cy="452160"/>
+            <a:ext cx="2966400" cy="451800"/>
           </a:xfrm>
           <a:prstGeom prst="rect">
             <a:avLst/>
@@ -3925,7 +3925,7 @@
               </a:lnSpc>
               <a:buNone/>
             </a:pPr>
-            <a:fld id="{C734344A-502F-4B64-93F7-D30B8CC2FE51}" type="slidenum">
+            <a:fld id="{F00F7071-6395-4711-8134-3A64035157AA}" type="slidenum">
               <a:rPr b="0" lang="en-US" sz="1200" spc="-1" strike="noStrike">
                 <a:solidFill>
                   <a:srgbClr val="000000"/>
@@ -3976,7 +3976,7 @@
         <p:spPr>
           <a:xfrm>
             <a:off x="380880" y="685800"/>
-            <a:ext cx="6090840" cy="3423960"/>
+            <a:ext cx="6090480" cy="3423600"/>
           </a:xfrm>
           <a:prstGeom prst="rect">
             <a:avLst/>
@@ -3999,7 +3999,7 @@
         <p:spPr>
           <a:xfrm>
             <a:off x="685800" y="4343400"/>
-            <a:ext cx="5481360" cy="4109760"/>
+            <a:ext cx="5481000" cy="4109400"/>
           </a:xfrm>
           <a:prstGeom prst="rect">
             <a:avLst/>
@@ -4033,7 +4033,7 @@
         <p:spPr>
           <a:xfrm>
             <a:off x="3884760" y="8685360"/>
-            <a:ext cx="2966760" cy="452160"/>
+            <a:ext cx="2966400" cy="451800"/>
           </a:xfrm>
           <a:prstGeom prst="rect">
             <a:avLst/>
@@ -4069,7 +4069,7 @@
               </a:lnSpc>
               <a:buNone/>
             </a:pPr>
-            <a:fld id="{CD31164F-D0DF-4BF0-9935-43EFE22365C3}" type="slidenum">
+            <a:fld id="{7D257850-010E-4909-9335-8BFFC3B28DD0}" type="slidenum">
               <a:rPr b="0" lang="en-US" sz="1200" spc="-1" strike="noStrike">
                 <a:solidFill>
                   <a:srgbClr val="000000"/>
@@ -4120,7 +4120,7 @@
         <p:spPr>
           <a:xfrm>
             <a:off x="380880" y="685800"/>
-            <a:ext cx="6090840" cy="3423960"/>
+            <a:ext cx="6090480" cy="3423600"/>
           </a:xfrm>
           <a:prstGeom prst="rect">
             <a:avLst/>
@@ -4143,7 +4143,7 @@
         <p:spPr>
           <a:xfrm>
             <a:off x="685800" y="4343400"/>
-            <a:ext cx="5481360" cy="4109760"/>
+            <a:ext cx="5481000" cy="4109400"/>
           </a:xfrm>
           <a:prstGeom prst="rect">
             <a:avLst/>
@@ -4177,7 +4177,7 @@
         <p:spPr>
           <a:xfrm>
             <a:off x="3884760" y="8685360"/>
-            <a:ext cx="2966760" cy="452160"/>
+            <a:ext cx="2966400" cy="451800"/>
           </a:xfrm>
           <a:prstGeom prst="rect">
             <a:avLst/>
@@ -4213,7 +4213,7 @@
               </a:lnSpc>
               <a:buNone/>
             </a:pPr>
-            <a:fld id="{8235348E-AFA0-4340-9B4E-F914D62F23DE}" type="slidenum">
+            <a:fld id="{8F1CADC7-9B0D-492C-AEDA-9C760DAA668B}" type="slidenum">
               <a:rPr b="0" lang="en-US" sz="1200" spc="-1" strike="noStrike">
                 <a:solidFill>
                   <a:srgbClr val="000000"/>
@@ -4264,7 +4264,7 @@
         <p:spPr>
           <a:xfrm>
             <a:off x="380880" y="685800"/>
-            <a:ext cx="6090840" cy="3423960"/>
+            <a:ext cx="6090480" cy="3423600"/>
           </a:xfrm>
           <a:prstGeom prst="rect">
             <a:avLst/>
@@ -4287,7 +4287,7 @@
         <p:spPr>
           <a:xfrm>
             <a:off x="685800" y="4343400"/>
-            <a:ext cx="5481360" cy="4109760"/>
+            <a:ext cx="5481000" cy="4109400"/>
           </a:xfrm>
           <a:prstGeom prst="rect">
             <a:avLst/>
@@ -4321,7 +4321,7 @@
         <p:spPr>
           <a:xfrm>
             <a:off x="3884760" y="8685360"/>
-            <a:ext cx="2966760" cy="452160"/>
+            <a:ext cx="2966400" cy="451800"/>
           </a:xfrm>
           <a:prstGeom prst="rect">
             <a:avLst/>
@@ -4357,7 +4357,7 @@
               </a:lnSpc>
               <a:buNone/>
             </a:pPr>
-            <a:fld id="{EC00F928-E87B-490D-AD52-C853DDA5C4B2}" type="slidenum">
+            <a:fld id="{9A50811B-6406-4926-8BF2-78C069BC40FB}" type="slidenum">
               <a:rPr b="0" lang="en-US" sz="1200" spc="-1" strike="noStrike">
                 <a:solidFill>
                   <a:srgbClr val="000000"/>
@@ -4408,7 +4408,7 @@
         <p:spPr>
           <a:xfrm>
             <a:off x="380880" y="685800"/>
-            <a:ext cx="6090840" cy="3423960"/>
+            <a:ext cx="6090480" cy="3423600"/>
           </a:xfrm>
           <a:prstGeom prst="rect">
             <a:avLst/>
@@ -4431,7 +4431,7 @@
         <p:spPr>
           <a:xfrm>
             <a:off x="685800" y="4343400"/>
-            <a:ext cx="5481360" cy="4109760"/>
+            <a:ext cx="5481000" cy="4109400"/>
           </a:xfrm>
           <a:prstGeom prst="rect">
             <a:avLst/>
@@ -4465,7 +4465,7 @@
         <p:spPr>
           <a:xfrm>
             <a:off x="3884760" y="8685360"/>
-            <a:ext cx="2966760" cy="452160"/>
+            <a:ext cx="2966400" cy="451800"/>
           </a:xfrm>
           <a:prstGeom prst="rect">
             <a:avLst/>
@@ -4501,7 +4501,7 @@
               </a:lnSpc>
               <a:buNone/>
             </a:pPr>
-            <a:fld id="{149A23D9-4077-480A-B1C9-1C868A2B4036}" type="slidenum">
+            <a:fld id="{65A38EBF-A322-4FE8-9DFD-C8A67EB8FB4B}" type="slidenum">
               <a:rPr b="0" lang="en-US" sz="1200" spc="-1" strike="noStrike">
                 <a:solidFill>
                   <a:srgbClr val="000000"/>
@@ -4552,7 +4552,7 @@
         <p:spPr>
           <a:xfrm>
             <a:off x="380880" y="685800"/>
-            <a:ext cx="6090840" cy="3423960"/>
+            <a:ext cx="6090480" cy="3423600"/>
           </a:xfrm>
           <a:prstGeom prst="rect">
             <a:avLst/>
@@ -4575,7 +4575,7 @@
         <p:spPr>
           <a:xfrm>
             <a:off x="685800" y="4343400"/>
-            <a:ext cx="5481360" cy="4109760"/>
+            <a:ext cx="5481000" cy="4109400"/>
           </a:xfrm>
           <a:prstGeom prst="rect">
             <a:avLst/>
@@ -4609,7 +4609,7 @@
         <p:spPr>
           <a:xfrm>
             <a:off x="3884760" y="8685360"/>
-            <a:ext cx="2966760" cy="452160"/>
+            <a:ext cx="2966400" cy="451800"/>
           </a:xfrm>
           <a:prstGeom prst="rect">
             <a:avLst/>
@@ -4645,7 +4645,7 @@
               </a:lnSpc>
               <a:buNone/>
             </a:pPr>
-            <a:fld id="{88184233-F613-4855-A0E4-5AD5912A286E}" type="slidenum">
+            <a:fld id="{2FBBAAD7-1B93-4372-B881-5A1D87119F23}" type="slidenum">
               <a:rPr b="0" lang="en-US" sz="1200" spc="-1" strike="noStrike">
                 <a:solidFill>
                   <a:srgbClr val="000000"/>
@@ -4696,7 +4696,7 @@
         <p:spPr>
           <a:xfrm>
             <a:off x="380880" y="685800"/>
-            <a:ext cx="6090840" cy="3423960"/>
+            <a:ext cx="6090480" cy="3423600"/>
           </a:xfrm>
           <a:prstGeom prst="rect">
             <a:avLst/>
@@ -4719,7 +4719,7 @@
         <p:spPr>
           <a:xfrm>
             <a:off x="685800" y="4343400"/>
-            <a:ext cx="5481360" cy="4109760"/>
+            <a:ext cx="5481000" cy="4109400"/>
           </a:xfrm>
           <a:prstGeom prst="rect">
             <a:avLst/>
@@ -4753,7 +4753,7 @@
         <p:spPr>
           <a:xfrm>
             <a:off x="3884760" y="8685360"/>
-            <a:ext cx="2966760" cy="452160"/>
+            <a:ext cx="2966400" cy="451800"/>
           </a:xfrm>
           <a:prstGeom prst="rect">
             <a:avLst/>
@@ -4789,7 +4789,7 @@
               </a:lnSpc>
               <a:buNone/>
             </a:pPr>
-            <a:fld id="{7B09D16F-89B0-4031-BBD3-D4A161F5C127}" type="slidenum">
+            <a:fld id="{E8920061-3504-455C-A35B-8AA5E4F7BFFF}" type="slidenum">
               <a:rPr b="0" lang="en-US" sz="1200" spc="-1" strike="noStrike">
                 <a:solidFill>
                   <a:srgbClr val="000000"/>
@@ -4840,7 +4840,7 @@
         <p:spPr>
           <a:xfrm>
             <a:off x="380880" y="685800"/>
-            <a:ext cx="6090840" cy="3423960"/>
+            <a:ext cx="6090480" cy="3423600"/>
           </a:xfrm>
           <a:prstGeom prst="rect">
             <a:avLst/>
@@ -4863,7 +4863,7 @@
         <p:spPr>
           <a:xfrm>
             <a:off x="685800" y="4343400"/>
-            <a:ext cx="5481360" cy="4109760"/>
+            <a:ext cx="5481000" cy="4109400"/>
           </a:xfrm>
           <a:prstGeom prst="rect">
             <a:avLst/>
@@ -4897,7 +4897,7 @@
         <p:spPr>
           <a:xfrm>
             <a:off x="3884760" y="8685360"/>
-            <a:ext cx="2966760" cy="452160"/>
+            <a:ext cx="2966400" cy="451800"/>
           </a:xfrm>
           <a:prstGeom prst="rect">
             <a:avLst/>
@@ -4933,7 +4933,7 @@
               </a:lnSpc>
               <a:buNone/>
             </a:pPr>
-            <a:fld id="{DC17B966-41C3-40E5-BD28-A32038071FF5}" type="slidenum">
+            <a:fld id="{80356008-4457-4DA7-B98E-C62438F95089}" type="slidenum">
               <a:rPr b="0" lang="en-US" sz="1200" spc="-1" strike="noStrike">
                 <a:solidFill>
                   <a:srgbClr val="000000"/>
@@ -4984,7 +4984,7 @@
         <p:spPr>
           <a:xfrm>
             <a:off x="380880" y="685800"/>
-            <a:ext cx="6090840" cy="3423960"/>
+            <a:ext cx="6090480" cy="3423600"/>
           </a:xfrm>
           <a:prstGeom prst="rect">
             <a:avLst/>
@@ -5007,7 +5007,7 @@
         <p:spPr>
           <a:xfrm>
             <a:off x="685800" y="4343400"/>
-            <a:ext cx="5481360" cy="4109760"/>
+            <a:ext cx="5481000" cy="4109400"/>
           </a:xfrm>
           <a:prstGeom prst="rect">
             <a:avLst/>
@@ -5041,7 +5041,7 @@
         <p:spPr>
           <a:xfrm>
             <a:off x="3884760" y="8685360"/>
-            <a:ext cx="2966760" cy="452160"/>
+            <a:ext cx="2966400" cy="451800"/>
           </a:xfrm>
           <a:prstGeom prst="rect">
             <a:avLst/>
@@ -5077,7 +5077,7 @@
               </a:lnSpc>
               <a:buNone/>
             </a:pPr>
-            <a:fld id="{944B0563-5E07-475B-8F27-F9DD23928FC5}" type="slidenum">
+            <a:fld id="{48B8EEF5-A391-4953-BCEB-A825289C1F1E}" type="slidenum">
               <a:rPr b="0" lang="en-US" sz="1200" spc="-1" strike="noStrike">
                 <a:solidFill>
                   <a:srgbClr val="000000"/>
@@ -5128,7 +5128,7 @@
         <p:spPr>
           <a:xfrm>
             <a:off x="380880" y="685800"/>
-            <a:ext cx="6090840" cy="3423960"/>
+            <a:ext cx="6090480" cy="3423600"/>
           </a:xfrm>
           <a:prstGeom prst="rect">
             <a:avLst/>
@@ -5151,7 +5151,7 @@
         <p:spPr>
           <a:xfrm>
             <a:off x="685800" y="4343400"/>
-            <a:ext cx="5481360" cy="4109760"/>
+            <a:ext cx="5481000" cy="4109400"/>
           </a:xfrm>
           <a:prstGeom prst="rect">
             <a:avLst/>
@@ -5185,7 +5185,7 @@
         <p:spPr>
           <a:xfrm>
             <a:off x="3884760" y="8685360"/>
-            <a:ext cx="2966760" cy="452160"/>
+            <a:ext cx="2966400" cy="451800"/>
           </a:xfrm>
           <a:prstGeom prst="rect">
             <a:avLst/>
@@ -5221,7 +5221,7 @@
               </a:lnSpc>
               <a:buNone/>
             </a:pPr>
-            <a:fld id="{F88A18F4-3AB1-42E8-9C39-4C0FBEEFC220}" type="slidenum">
+            <a:fld id="{0F2985F1-B884-40FF-B4E4-855E47B352C0}" type="slidenum">
               <a:rPr b="0" lang="en-US" sz="1200" spc="-1" strike="noStrike">
                 <a:solidFill>
                   <a:srgbClr val="000000"/>
@@ -5272,7 +5272,7 @@
         <p:spPr>
           <a:xfrm>
             <a:off x="380880" y="685800"/>
-            <a:ext cx="6090840" cy="3423960"/>
+            <a:ext cx="6090480" cy="3423600"/>
           </a:xfrm>
           <a:prstGeom prst="rect">
             <a:avLst/>
@@ -5295,7 +5295,7 @@
         <p:spPr>
           <a:xfrm>
             <a:off x="685800" y="4343400"/>
-            <a:ext cx="5481360" cy="4109760"/>
+            <a:ext cx="5481000" cy="4109400"/>
           </a:xfrm>
           <a:prstGeom prst="rect">
             <a:avLst/>
@@ -5329,7 +5329,7 @@
         <p:spPr>
           <a:xfrm>
             <a:off x="3884760" y="8685360"/>
-            <a:ext cx="2966760" cy="452160"/>
+            <a:ext cx="2966400" cy="451800"/>
           </a:xfrm>
           <a:prstGeom prst="rect">
             <a:avLst/>
@@ -5365,7 +5365,7 @@
               </a:lnSpc>
               <a:buNone/>
             </a:pPr>
-            <a:fld id="{E0E9AA68-8998-418E-95F0-949624880ABF}" type="slidenum">
+            <a:fld id="{A5D7288E-84AA-4FC2-95DA-CD5F83FF98A2}" type="slidenum">
               <a:rPr b="0" lang="en-US" sz="1200" spc="-1" strike="noStrike">
                 <a:solidFill>
                   <a:srgbClr val="000000"/>
@@ -5416,7 +5416,7 @@
         <p:spPr>
           <a:xfrm>
             <a:off x="380880" y="685800"/>
-            <a:ext cx="6090840" cy="3423960"/>
+            <a:ext cx="6090480" cy="3423600"/>
           </a:xfrm>
           <a:prstGeom prst="rect">
             <a:avLst/>
@@ -5439,7 +5439,7 @@
         <p:spPr>
           <a:xfrm>
             <a:off x="685800" y="4343400"/>
-            <a:ext cx="5481360" cy="4109760"/>
+            <a:ext cx="5481000" cy="4109400"/>
           </a:xfrm>
           <a:prstGeom prst="rect">
             <a:avLst/>
@@ -5473,7 +5473,7 @@
         <p:spPr>
           <a:xfrm>
             <a:off x="3884760" y="8685360"/>
-            <a:ext cx="2966760" cy="452160"/>
+            <a:ext cx="2966400" cy="451800"/>
           </a:xfrm>
           <a:prstGeom prst="rect">
             <a:avLst/>
@@ -5509,7 +5509,7 @@
               </a:lnSpc>
               <a:buNone/>
             </a:pPr>
-            <a:fld id="{045A72FC-4F43-4DE5-8C8E-4D57A88DF87C}" type="slidenum">
+            <a:fld id="{296E66A9-B953-466D-8701-8FD471F51A61}" type="slidenum">
               <a:rPr b="0" lang="en-US" sz="1200" spc="-1" strike="noStrike">
                 <a:solidFill>
                   <a:srgbClr val="000000"/>
@@ -5560,7 +5560,7 @@
         <p:spPr>
           <a:xfrm>
             <a:off x="380880" y="685800"/>
-            <a:ext cx="6090840" cy="3423960"/>
+            <a:ext cx="6090480" cy="3423600"/>
           </a:xfrm>
           <a:prstGeom prst="rect">
             <a:avLst/>
@@ -5583,7 +5583,7 @@
         <p:spPr>
           <a:xfrm>
             <a:off x="685800" y="4343400"/>
-            <a:ext cx="5481360" cy="4109760"/>
+            <a:ext cx="5481000" cy="4109400"/>
           </a:xfrm>
           <a:prstGeom prst="rect">
             <a:avLst/>
@@ -5617,7 +5617,7 @@
         <p:spPr>
           <a:xfrm>
             <a:off x="3884760" y="8685360"/>
-            <a:ext cx="2966760" cy="452160"/>
+            <a:ext cx="2966400" cy="451800"/>
           </a:xfrm>
           <a:prstGeom prst="rect">
             <a:avLst/>
@@ -5653,7 +5653,7 @@
               </a:lnSpc>
               <a:buNone/>
             </a:pPr>
-            <a:fld id="{F1D103C4-69CD-4C72-A4C5-573BD2BBB867}" type="slidenum">
+            <a:fld id="{446D8753-B3D6-4230-865D-32368D93079C}" type="slidenum">
               <a:rPr b="0" lang="en-US" sz="1200" spc="-1" strike="noStrike">
                 <a:solidFill>
                   <a:srgbClr val="000000"/>
@@ -5725,7 +5725,7 @@
         <p:txBody>
           <a:bodyPr/>
           <a:p>
-            <a:fld id="{86F887ED-E1DF-4D7F-8F2A-058846E1C2FE}" type="slidenum">
+            <a:fld id="{427450CE-D308-44BB-8645-2622F7DB1039}" type="slidenum">
               <a:t>&lt;#&gt;</a:t>
             </a:fld>
           </a:p>
@@ -5913,7 +5913,7 @@
         <p:txBody>
           <a:bodyPr/>
           <a:p>
-            <a:fld id="{587FC765-5331-4DB9-A495-C15226712E7A}" type="slidenum">
+            <a:fld id="{910610CA-F371-4F20-B8D0-5BF69BB3E640}" type="slidenum">
               <a:t>&lt;#&gt;</a:t>
             </a:fld>
           </a:p>
@@ -6169,7 +6169,7 @@
         <p:txBody>
           <a:bodyPr/>
           <a:p>
-            <a:fld id="{C2A821F8-8F59-4E1F-A02D-A835C2AE003B}" type="slidenum">
+            <a:fld id="{167CD03C-751A-47B0-A625-EA2C797C774F}" type="slidenum">
               <a:t>&lt;#&gt;</a:t>
             </a:fld>
           </a:p>
@@ -6493,7 +6493,7 @@
         <p:txBody>
           <a:bodyPr/>
           <a:p>
-            <a:fld id="{65359386-83FC-4E46-B369-13467BA93CA2}" type="slidenum">
+            <a:fld id="{D6CD8807-830A-40B3-9D7D-FC8B45514958}" type="slidenum">
               <a:t>&lt;#&gt;</a:t>
             </a:fld>
           </a:p>
@@ -6650,7 +6650,7 @@
         <p:txBody>
           <a:bodyPr/>
           <a:p>
-            <a:fld id="{805A6D0E-AED4-4E4D-B9DE-5CAB7E05A88F}" type="slidenum">
+            <a:fld id="{B8E97144-3A66-4053-B1F7-A3DDA622FBF8}" type="slidenum">
               <a:t>&lt;#&gt;</a:t>
             </a:fld>
           </a:p>
@@ -6804,7 +6804,7 @@
         <p:txBody>
           <a:bodyPr/>
           <a:p>
-            <a:fld id="{A9DD8E64-706E-4981-9E1C-F3450DCF71D7}" type="slidenum">
+            <a:fld id="{5689A67D-EA02-453D-AFA5-E28FA54CCAAC}" type="slidenum">
               <a:t>&lt;#&gt;</a:t>
             </a:fld>
           </a:p>
@@ -6992,7 +6992,7 @@
         <p:txBody>
           <a:bodyPr/>
           <a:p>
-            <a:fld id="{BFBB2FA3-6FF1-4337-9D36-7742B19B8BD3}" type="slidenum">
+            <a:fld id="{554A78B7-E0B6-49DD-B945-7CE00F679C78}" type="slidenum">
               <a:t>&lt;#&gt;</a:t>
             </a:fld>
           </a:p>
@@ -7112,7 +7112,7 @@
         <p:txBody>
           <a:bodyPr/>
           <a:p>
-            <a:fld id="{A4DB884F-D26A-4B08-8749-792394A37055}" type="slidenum">
+            <a:fld id="{1124DF46-FA65-4C2B-B557-EB166852FE19}" type="slidenum">
               <a:t>&lt;#&gt;</a:t>
             </a:fld>
           </a:p>
@@ -7232,7 +7232,7 @@
         <p:txBody>
           <a:bodyPr/>
           <a:p>
-            <a:fld id="{8083F775-1F5F-4AFB-9523-54278CAE0EC6}" type="slidenum">
+            <a:fld id="{C090A099-0FAC-47F2-B138-4211ADB5F4CB}" type="slidenum">
               <a:t>&lt;#&gt;</a:t>
             </a:fld>
           </a:p>
@@ -7454,7 +7454,7 @@
         <p:txBody>
           <a:bodyPr/>
           <a:p>
-            <a:fld id="{DE8285A0-B396-4E19-9874-CFFE243D16DC}" type="slidenum">
+            <a:fld id="{6CE49841-57A8-4F76-AEFD-4D4410173566}" type="slidenum">
               <a:t>&lt;#&gt;</a:t>
             </a:fld>
           </a:p>
@@ -7676,7 +7676,7 @@
         <p:txBody>
           <a:bodyPr/>
           <a:p>
-            <a:fld id="{4958B78E-5792-4D49-B6C3-00AFD327A50E}" type="slidenum">
+            <a:fld id="{D140B162-6834-479A-B005-B8D98ABD5E22}" type="slidenum">
               <a:t>&lt;#&gt;</a:t>
             </a:fld>
           </a:p>
@@ -7898,7 +7898,7 @@
         <p:txBody>
           <a:bodyPr/>
           <a:p>
-            <a:fld id="{9D091353-C9ED-4C88-A965-B85C99B50926}" type="slidenum">
+            <a:fld id="{89425172-C183-43F4-987A-F077A6C10179}" type="slidenum">
               <a:t>&lt;#&gt;</a:t>
             </a:fld>
           </a:p>
@@ -7967,7 +7967,7 @@
         <p:spPr>
           <a:xfrm>
             <a:off x="3028680" y="4771440"/>
-            <a:ext cx="3081600" cy="269640"/>
+            <a:ext cx="3081240" cy="269280"/>
           </a:xfrm>
           <a:prstGeom prst="rect">
             <a:avLst/>
@@ -8032,7 +8032,7 @@
         <p:spPr>
           <a:xfrm>
             <a:off x="6457680" y="4771440"/>
-            <a:ext cx="2053080" cy="269640"/>
+            <a:ext cx="2052720" cy="269280"/>
           </a:xfrm>
           <a:prstGeom prst="rect">
             <a:avLst/>
@@ -8068,7 +8068,7 @@
               </a:lnSpc>
               <a:buNone/>
             </a:pPr>
-            <a:fld id="{8476D37E-7225-4F5D-AEFF-0588A56EDEC9}" type="slidenum">
+            <a:fld id="{617F4C17-23C9-41FC-AD93-BD8265137851}" type="slidenum">
               <a:rPr b="0" lang="en-US" sz="1200" spc="-1" strike="noStrike">
                 <a:solidFill>
                   <a:srgbClr val="8b8b8b"/>
@@ -8097,7 +8097,7 @@
         <p:spPr>
           <a:xfrm>
             <a:off x="628200" y="4771440"/>
-            <a:ext cx="2053080" cy="269640"/>
+            <a:ext cx="2052720" cy="269280"/>
           </a:xfrm>
           <a:prstGeom prst="rect">
             <a:avLst/>
@@ -8409,8 +8409,8 @@
         </p:nvSpPr>
         <p:spPr>
           <a:xfrm rot="2744400">
-            <a:off x="-280080" y="-25560"/>
-            <a:ext cx="703800" cy="703440"/>
+            <a:off x="-279720" y="-25560"/>
+            <a:ext cx="703440" cy="703080"/>
           </a:xfrm>
           <a:prstGeom prst="roundRect">
             <a:avLst>
@@ -8447,8 +8447,8 @@
         </p:nvSpPr>
         <p:spPr>
           <a:xfrm rot="2625600">
-            <a:off x="6024960" y="4332600"/>
-            <a:ext cx="467640" cy="467640"/>
+            <a:off x="6024960" y="4332240"/>
+            <a:ext cx="467280" cy="467280"/>
           </a:xfrm>
           <a:prstGeom prst="roundRect">
             <a:avLst>
@@ -8485,8 +8485,8 @@
         </p:nvSpPr>
         <p:spPr>
           <a:xfrm rot="18679200">
-            <a:off x="7003440" y="948600"/>
-            <a:ext cx="4939200" cy="4665600"/>
+            <a:off x="7003080" y="948600"/>
+            <a:ext cx="4938840" cy="4665240"/>
           </a:xfrm>
           <a:prstGeom prst="roundRect">
             <a:avLst>
@@ -8524,7 +8524,7 @@
         <p:spPr>
           <a:xfrm>
             <a:off x="459720" y="4671360"/>
-            <a:ext cx="2994840" cy="265680"/>
+            <a:ext cx="2994480" cy="265320"/>
           </a:xfrm>
           <a:prstGeom prst="rect">
             <a:avLst/>
@@ -8589,8 +8589,8 @@
         </p:blipFill>
         <p:spPr>
           <a:xfrm>
-            <a:off x="2423160" y="4671720"/>
-            <a:ext cx="287280" cy="287280"/>
+            <a:off x="3035160" y="4743720"/>
+            <a:ext cx="286920" cy="286920"/>
           </a:xfrm>
           <a:prstGeom prst="rect">
             <a:avLst/>
@@ -8609,7 +8609,7 @@
         <p:spPr>
           <a:xfrm>
             <a:off x="484920" y="1681560"/>
-            <a:ext cx="5480280" cy="1881720"/>
+            <a:ext cx="5479920" cy="1881360"/>
           </a:xfrm>
           <a:prstGeom prst="rect">
             <a:avLst/>
@@ -8697,8 +8697,8 @@
         </p:nvSpPr>
         <p:spPr>
           <a:xfrm rot="2744400">
-            <a:off x="-280080" y="-25560"/>
-            <a:ext cx="703800" cy="703440"/>
+            <a:off x="-279720" y="-25560"/>
+            <a:ext cx="703440" cy="703080"/>
           </a:xfrm>
           <a:prstGeom prst="roundRect">
             <a:avLst>
@@ -8736,7 +8736,7 @@
         <p:spPr>
           <a:xfrm rot="2332200">
             <a:off x="6009120" y="-319680"/>
-            <a:ext cx="4854960" cy="7725960"/>
+            <a:ext cx="4854600" cy="7725600"/>
           </a:xfrm>
           <a:prstGeom prst="roundRect">
             <a:avLst>
@@ -8774,9 +8774,9 @@
         <p:grpSpPr>
           <a:xfrm>
             <a:off x="4571640" y="828000"/>
-            <a:ext cx="4467600" cy="3563640"/>
+            <a:ext cx="4467240" cy="3563280"/>
             <a:chOff x="4571640" y="828000"/>
-            <a:chExt cx="4467600" cy="3563640"/>
+            <a:chExt cx="4467240" cy="3563280"/>
           </a:xfrm>
         </p:grpSpPr>
         <p:pic>
@@ -8792,7 +8792,7 @@
           <p:spPr>
             <a:xfrm>
               <a:off x="4571640" y="828000"/>
-              <a:ext cx="4467600" cy="3563640"/>
+              <a:ext cx="4467240" cy="3563280"/>
             </a:xfrm>
             <a:prstGeom prst="rect">
               <a:avLst/>
@@ -8810,8 +8810,8 @@
           </p:nvSpPr>
           <p:spPr>
             <a:xfrm rot="16200000">
-              <a:off x="5962680" y="1159560"/>
-              <a:ext cx="1736640" cy="2770560"/>
+              <a:off x="5962680" y="1159920"/>
+              <a:ext cx="1736280" cy="2770200"/>
             </a:xfrm>
             <a:prstGeom prst="roundRect">
               <a:avLst>
@@ -8878,7 +8878,7 @@
         <p:spPr>
           <a:xfrm>
             <a:off x="5446080" y="1672200"/>
-            <a:ext cx="2770200" cy="1736640"/>
+            <a:ext cx="2769840" cy="1736280"/>
           </a:xfrm>
           <a:prstGeom prst="rect">
             <a:avLst/>
@@ -8930,7 +8930,7 @@
         <p:spPr>
           <a:xfrm>
             <a:off x="586440" y="1246680"/>
-            <a:ext cx="4003560" cy="3599280"/>
+            <a:ext cx="4003200" cy="3598920"/>
           </a:xfrm>
           <a:prstGeom prst="rect">
             <a:avLst/>
@@ -8982,7 +8982,7 @@
         <p:spPr>
           <a:xfrm>
             <a:off x="586440" y="453960"/>
-            <a:ext cx="4763520" cy="854640"/>
+            <a:ext cx="4763160" cy="854280"/>
           </a:xfrm>
           <a:prstGeom prst="rect">
             <a:avLst/>
@@ -9070,8 +9070,8 @@
         </p:nvSpPr>
         <p:spPr>
           <a:xfrm rot="2745600">
-            <a:off x="8349840" y="-668160"/>
-            <a:ext cx="1497600" cy="1497600"/>
+            <a:off x="8349840" y="-667800"/>
+            <a:ext cx="1497240" cy="1497240"/>
           </a:xfrm>
           <a:prstGeom prst="roundRect">
             <a:avLst>
@@ -9109,7 +9109,7 @@
         <p:spPr>
           <a:xfrm rot="2745600">
             <a:off x="7634160" y="-322200"/>
-            <a:ext cx="806400" cy="806760"/>
+            <a:ext cx="806040" cy="806400"/>
           </a:xfrm>
           <a:prstGeom prst="roundRect">
             <a:avLst>
@@ -9148,7 +9148,7 @@
         <p:spPr>
           <a:xfrm>
             <a:off x="586440" y="899640"/>
-            <a:ext cx="7931160" cy="1536480"/>
+            <a:ext cx="7930800" cy="1536120"/>
           </a:xfrm>
           <a:prstGeom prst="rect">
             <a:avLst/>
@@ -9200,7 +9200,7 @@
         <p:spPr>
           <a:xfrm>
             <a:off x="608040" y="2545560"/>
-            <a:ext cx="3711600" cy="2255040"/>
+            <a:ext cx="3711240" cy="2254680"/>
           </a:xfrm>
           <a:prstGeom prst="rect">
             <a:avLst/>
@@ -9252,7 +9252,7 @@
         <p:spPr>
           <a:xfrm>
             <a:off x="4806360" y="2545560"/>
-            <a:ext cx="3711600" cy="2255040"/>
+            <a:ext cx="3711240" cy="2254680"/>
           </a:xfrm>
           <a:prstGeom prst="rect">
             <a:avLst/>
@@ -9304,7 +9304,7 @@
         <p:spPr>
           <a:xfrm>
             <a:off x="583200" y="450720"/>
-            <a:ext cx="7197480" cy="511560"/>
+            <a:ext cx="7197120" cy="511200"/>
           </a:xfrm>
           <a:prstGeom prst="rect">
             <a:avLst/>
@@ -9386,7 +9386,7 @@
         <p:spPr>
           <a:xfrm>
             <a:off x="586440" y="1246680"/>
-            <a:ext cx="4003560" cy="3599280"/>
+            <a:ext cx="4003200" cy="3598920"/>
           </a:xfrm>
           <a:prstGeom prst="rect">
             <a:avLst/>
@@ -9438,7 +9438,7 @@
         <p:spPr>
           <a:xfrm>
             <a:off x="559800" y="446040"/>
-            <a:ext cx="4282920" cy="682920"/>
+            <a:ext cx="4282560" cy="682560"/>
           </a:xfrm>
           <a:prstGeom prst="rect">
             <a:avLst/>
@@ -9490,7 +9490,7 @@
         <p:spPr>
           <a:xfrm>
             <a:off x="5097600" y="360"/>
-            <a:ext cx="4379040" cy="5143320"/>
+            <a:ext cx="4378680" cy="5142960"/>
           </a:xfrm>
           <a:prstGeom prst="roundRect">
             <a:avLst>
@@ -9555,8 +9555,8 @@
         </p:nvSpPr>
         <p:spPr>
           <a:xfrm rot="2744400">
-            <a:off x="-280080" y="-25560"/>
-            <a:ext cx="703800" cy="703440"/>
+            <a:off x="-279720" y="-25560"/>
+            <a:ext cx="703440" cy="703080"/>
           </a:xfrm>
           <a:prstGeom prst="roundRect">
             <a:avLst>
@@ -9593,8 +9593,8 @@
         </p:nvSpPr>
         <p:spPr>
           <a:xfrm rot="2625600">
-            <a:off x="4861080" y="4146480"/>
-            <a:ext cx="467640" cy="467640"/>
+            <a:off x="4861080" y="4146120"/>
+            <a:ext cx="467280" cy="467280"/>
           </a:xfrm>
           <a:prstGeom prst="roundRect">
             <a:avLst>
@@ -9668,8 +9668,8 @@
         </p:nvSpPr>
         <p:spPr>
           <a:xfrm rot="2744400">
-            <a:off x="-349200" y="4539600"/>
-            <a:ext cx="703800" cy="703440"/>
+            <a:off x="-348840" y="4539240"/>
+            <a:ext cx="703440" cy="703080"/>
           </a:xfrm>
           <a:prstGeom prst="roundRect">
             <a:avLst>
@@ -9706,8 +9706,8 @@
         </p:nvSpPr>
         <p:spPr>
           <a:xfrm rot="19228200">
-            <a:off x="5845680" y="-2265840"/>
-            <a:ext cx="4854600" cy="7725600"/>
+            <a:off x="5845680" y="-2265480"/>
+            <a:ext cx="4854240" cy="7725240"/>
           </a:xfrm>
           <a:prstGeom prst="roundRect">
             <a:avLst>
@@ -9745,9 +9745,9 @@
         <p:grpSpPr>
           <a:xfrm>
             <a:off x="4571640" y="828000"/>
-            <a:ext cx="4467600" cy="3563640"/>
+            <a:ext cx="4467240" cy="3563280"/>
             <a:chOff x="4571640" y="828000"/>
-            <a:chExt cx="4467600" cy="3563640"/>
+            <a:chExt cx="4467240" cy="3563280"/>
           </a:xfrm>
         </p:grpSpPr>
         <p:pic>
@@ -9763,7 +9763,7 @@
           <p:spPr>
             <a:xfrm>
               <a:off x="4571640" y="828000"/>
-              <a:ext cx="4467600" cy="3563640"/>
+              <a:ext cx="4467240" cy="3563280"/>
             </a:xfrm>
             <a:prstGeom prst="rect">
               <a:avLst/>
@@ -9781,8 +9781,8 @@
           </p:nvSpPr>
           <p:spPr>
             <a:xfrm rot="16200000">
-              <a:off x="5962680" y="1159560"/>
-              <a:ext cx="1736640" cy="2770560"/>
+              <a:off x="5962680" y="1159920"/>
+              <a:ext cx="1736280" cy="2770200"/>
             </a:xfrm>
             <a:prstGeom prst="roundRect">
               <a:avLst>
@@ -9849,7 +9849,7 @@
         <p:spPr>
           <a:xfrm>
             <a:off x="586440" y="1246680"/>
-            <a:ext cx="4003560" cy="3599280"/>
+            <a:ext cx="4003200" cy="3598920"/>
           </a:xfrm>
           <a:prstGeom prst="rect">
             <a:avLst/>
@@ -9901,7 +9901,7 @@
         <p:spPr>
           <a:xfrm>
             <a:off x="5446080" y="1672200"/>
-            <a:ext cx="2779560" cy="1736640"/>
+            <a:ext cx="2779200" cy="1736280"/>
           </a:xfrm>
           <a:prstGeom prst="rect">
             <a:avLst/>
@@ -9953,7 +9953,7 @@
         <p:spPr>
           <a:xfrm>
             <a:off x="586440" y="453960"/>
-            <a:ext cx="3696120" cy="854640"/>
+            <a:ext cx="3695760" cy="854280"/>
           </a:xfrm>
           <a:prstGeom prst="rect">
             <a:avLst/>
@@ -10042,7 +10042,7 @@
         <p:spPr>
           <a:xfrm>
             <a:off x="4222080" y="1246680"/>
-            <a:ext cx="4114440" cy="3599280"/>
+            <a:ext cx="4114080" cy="3598920"/>
           </a:xfrm>
           <a:prstGeom prst="rect">
             <a:avLst/>
@@ -10093,8 +10093,8 @@
         </p:nvSpPr>
         <p:spPr>
           <a:xfrm rot="16200000">
-            <a:off x="-2181600" y="1734120"/>
-            <a:ext cx="5143320" cy="1683360"/>
+            <a:off x="-2181600" y="1734480"/>
+            <a:ext cx="5142960" cy="1683000"/>
           </a:xfrm>
           <a:prstGeom prst="roundRect">
             <a:avLst>
@@ -10131,8 +10131,8 @@
         </p:nvSpPr>
         <p:spPr>
           <a:xfrm rot="2745000">
-            <a:off x="8575200" y="103320"/>
-            <a:ext cx="1131840" cy="1131480"/>
+            <a:off x="8575200" y="102960"/>
+            <a:ext cx="1131480" cy="1131120"/>
           </a:xfrm>
           <a:prstGeom prst="roundRect">
             <a:avLst>
@@ -10169,8 +10169,8 @@
         </p:nvSpPr>
         <p:spPr>
           <a:xfrm rot="16200000">
-            <a:off x="614880" y="919440"/>
-            <a:ext cx="3231360" cy="3313080"/>
+            <a:off x="614880" y="919800"/>
+            <a:ext cx="3231000" cy="3312720"/>
           </a:xfrm>
           <a:prstGeom prst="roundRect">
             <a:avLst>
@@ -10236,7 +10236,7 @@
         <p:spPr>
           <a:xfrm>
             <a:off x="4214160" y="456120"/>
-            <a:ext cx="4111200" cy="854640"/>
+            <a:ext cx="4110840" cy="854280"/>
           </a:xfrm>
           <a:prstGeom prst="rect">
             <a:avLst/>
@@ -10324,8 +10324,8 @@
         </p:nvSpPr>
         <p:spPr>
           <a:xfrm rot="2744400">
-            <a:off x="-280080" y="-25560"/>
-            <a:ext cx="703800" cy="703440"/>
+            <a:off x="-279720" y="-25560"/>
+            <a:ext cx="703440" cy="703080"/>
           </a:xfrm>
           <a:prstGeom prst="roundRect">
             <a:avLst>
@@ -10363,7 +10363,7 @@
         <p:spPr>
           <a:xfrm rot="2332200">
             <a:off x="6009120" y="-319680"/>
-            <a:ext cx="4854960" cy="7725960"/>
+            <a:ext cx="4854600" cy="7725600"/>
           </a:xfrm>
           <a:prstGeom prst="roundRect">
             <a:avLst>
@@ -10401,9 +10401,9 @@
         <p:grpSpPr>
           <a:xfrm>
             <a:off x="4571640" y="828000"/>
-            <a:ext cx="4467600" cy="3563640"/>
+            <a:ext cx="4467240" cy="3563280"/>
             <a:chOff x="4571640" y="828000"/>
-            <a:chExt cx="4467600" cy="3563640"/>
+            <a:chExt cx="4467240" cy="3563280"/>
           </a:xfrm>
         </p:grpSpPr>
         <p:pic>
@@ -10419,7 +10419,7 @@
           <p:spPr>
             <a:xfrm>
               <a:off x="4571640" y="828000"/>
-              <a:ext cx="4467600" cy="3563640"/>
+              <a:ext cx="4467240" cy="3563280"/>
             </a:xfrm>
             <a:prstGeom prst="rect">
               <a:avLst/>
@@ -10437,8 +10437,8 @@
           </p:nvSpPr>
           <p:spPr>
             <a:xfrm rot="16200000">
-              <a:off x="5962680" y="1159560"/>
-              <a:ext cx="1736640" cy="2770560"/>
+              <a:off x="5962680" y="1159920"/>
+              <a:ext cx="1736280" cy="2770200"/>
             </a:xfrm>
             <a:prstGeom prst="roundRect">
               <a:avLst>
@@ -10505,7 +10505,7 @@
         <p:spPr>
           <a:xfrm>
             <a:off x="5446080" y="1672200"/>
-            <a:ext cx="2770200" cy="1736640"/>
+            <a:ext cx="2769840" cy="1736280"/>
           </a:xfrm>
           <a:prstGeom prst="rect">
             <a:avLst/>
@@ -10557,7 +10557,7 @@
         <p:spPr>
           <a:xfrm>
             <a:off x="586440" y="1246680"/>
-            <a:ext cx="4003560" cy="3599280"/>
+            <a:ext cx="4003200" cy="3598920"/>
           </a:xfrm>
           <a:prstGeom prst="rect">
             <a:avLst/>
@@ -10609,7 +10609,7 @@
         <p:spPr>
           <a:xfrm>
             <a:off x="586440" y="453960"/>
-            <a:ext cx="4763520" cy="854640"/>
+            <a:ext cx="4763160" cy="854280"/>
           </a:xfrm>
           <a:prstGeom prst="rect">
             <a:avLst/>
@@ -10697,8 +10697,8 @@
         </p:nvSpPr>
         <p:spPr>
           <a:xfrm rot="2745600">
-            <a:off x="8349840" y="-668160"/>
-            <a:ext cx="1497600" cy="1497600"/>
+            <a:off x="8349840" y="-667800"/>
+            <a:ext cx="1497240" cy="1497240"/>
           </a:xfrm>
           <a:prstGeom prst="roundRect">
             <a:avLst>
@@ -10736,7 +10736,7 @@
         <p:spPr>
           <a:xfrm rot="2745600">
             <a:off x="7634160" y="-322200"/>
-            <a:ext cx="806400" cy="806760"/>
+            <a:ext cx="806040" cy="806400"/>
           </a:xfrm>
           <a:prstGeom prst="roundRect">
             <a:avLst>
@@ -10775,7 +10775,7 @@
         <p:spPr>
           <a:xfrm>
             <a:off x="586440" y="899640"/>
-            <a:ext cx="7931160" cy="1536480"/>
+            <a:ext cx="7930800" cy="1536120"/>
           </a:xfrm>
           <a:prstGeom prst="rect">
             <a:avLst/>
@@ -10827,7 +10827,7 @@
         <p:spPr>
           <a:xfrm>
             <a:off x="608040" y="2545560"/>
-            <a:ext cx="3711600" cy="2255040"/>
+            <a:ext cx="3711240" cy="2254680"/>
           </a:xfrm>
           <a:prstGeom prst="rect">
             <a:avLst/>
@@ -10879,7 +10879,7 @@
         <p:spPr>
           <a:xfrm>
             <a:off x="4806360" y="2545560"/>
-            <a:ext cx="3711600" cy="2255040"/>
+            <a:ext cx="3711240" cy="2254680"/>
           </a:xfrm>
           <a:prstGeom prst="rect">
             <a:avLst/>
@@ -10931,7 +10931,7 @@
         <p:spPr>
           <a:xfrm>
             <a:off x="583200" y="450720"/>
-            <a:ext cx="7197480" cy="511560"/>
+            <a:ext cx="7197120" cy="511200"/>
           </a:xfrm>
           <a:prstGeom prst="rect">
             <a:avLst/>
@@ -11013,7 +11013,7 @@
         <p:spPr>
           <a:xfrm>
             <a:off x="586440" y="1246680"/>
-            <a:ext cx="4003560" cy="3599280"/>
+            <a:ext cx="4003200" cy="3598920"/>
           </a:xfrm>
           <a:prstGeom prst="rect">
             <a:avLst/>
@@ -11065,7 +11065,7 @@
         <p:spPr>
           <a:xfrm>
             <a:off x="559800" y="446040"/>
-            <a:ext cx="4282920" cy="682920"/>
+            <a:ext cx="4282560" cy="682560"/>
           </a:xfrm>
           <a:prstGeom prst="rect">
             <a:avLst/>
@@ -11117,7 +11117,7 @@
         <p:spPr>
           <a:xfrm>
             <a:off x="5097600" y="360"/>
-            <a:ext cx="4379040" cy="5143320"/>
+            <a:ext cx="4378680" cy="5142960"/>
           </a:xfrm>
           <a:prstGeom prst="roundRect">
             <a:avLst>
@@ -11182,8 +11182,8 @@
         </p:nvSpPr>
         <p:spPr>
           <a:xfrm rot="2744400">
-            <a:off x="-280080" y="-25560"/>
-            <a:ext cx="703800" cy="703440"/>
+            <a:off x="-279720" y="-25560"/>
+            <a:ext cx="703440" cy="703080"/>
           </a:xfrm>
           <a:prstGeom prst="roundRect">
             <a:avLst>
@@ -11220,8 +11220,8 @@
         </p:nvSpPr>
         <p:spPr>
           <a:xfrm rot="2625600">
-            <a:off x="4861080" y="4146480"/>
-            <a:ext cx="467640" cy="467640"/>
+            <a:off x="4861080" y="4146120"/>
+            <a:ext cx="467280" cy="467280"/>
           </a:xfrm>
           <a:prstGeom prst="roundRect">
             <a:avLst>
@@ -11295,8 +11295,8 @@
         </p:nvSpPr>
         <p:spPr>
           <a:xfrm rot="2744400">
-            <a:off x="-349200" y="4539600"/>
-            <a:ext cx="703800" cy="703440"/>
+            <a:off x="-348840" y="4539240"/>
+            <a:ext cx="703440" cy="703080"/>
           </a:xfrm>
           <a:prstGeom prst="roundRect">
             <a:avLst>
@@ -11333,8 +11333,8 @@
         </p:nvSpPr>
         <p:spPr>
           <a:xfrm rot="19228200">
-            <a:off x="5845680" y="-2265840"/>
-            <a:ext cx="4854600" cy="7725600"/>
+            <a:off x="5845680" y="-2265480"/>
+            <a:ext cx="4854240" cy="7725240"/>
           </a:xfrm>
           <a:prstGeom prst="roundRect">
             <a:avLst>
@@ -11372,9 +11372,9 @@
         <p:grpSpPr>
           <a:xfrm>
             <a:off x="4571640" y="828000"/>
-            <a:ext cx="4467600" cy="3563640"/>
+            <a:ext cx="4467240" cy="3563280"/>
             <a:chOff x="4571640" y="828000"/>
-            <a:chExt cx="4467600" cy="3563640"/>
+            <a:chExt cx="4467240" cy="3563280"/>
           </a:xfrm>
         </p:grpSpPr>
         <p:pic>
@@ -11390,7 +11390,7 @@
           <p:spPr>
             <a:xfrm>
               <a:off x="4571640" y="828000"/>
-              <a:ext cx="4467600" cy="3563640"/>
+              <a:ext cx="4467240" cy="3563280"/>
             </a:xfrm>
             <a:prstGeom prst="rect">
               <a:avLst/>
@@ -11408,8 +11408,8 @@
           </p:nvSpPr>
           <p:spPr>
             <a:xfrm rot="16200000">
-              <a:off x="5962680" y="1159560"/>
-              <a:ext cx="1736640" cy="2770560"/>
+              <a:off x="5962680" y="1159920"/>
+              <a:ext cx="1736280" cy="2770200"/>
             </a:xfrm>
             <a:prstGeom prst="roundRect">
               <a:avLst>
@@ -11476,7 +11476,7 @@
         <p:spPr>
           <a:xfrm>
             <a:off x="586440" y="1246680"/>
-            <a:ext cx="4003560" cy="3599280"/>
+            <a:ext cx="4003200" cy="3598920"/>
           </a:xfrm>
           <a:prstGeom prst="rect">
             <a:avLst/>
@@ -11528,7 +11528,7 @@
         <p:spPr>
           <a:xfrm>
             <a:off x="5446080" y="1672200"/>
-            <a:ext cx="2779560" cy="1736640"/>
+            <a:ext cx="2779200" cy="1736280"/>
           </a:xfrm>
           <a:prstGeom prst="rect">
             <a:avLst/>
@@ -11580,7 +11580,7 @@
         <p:spPr>
           <a:xfrm>
             <a:off x="586440" y="453960"/>
-            <a:ext cx="3696120" cy="854640"/>
+            <a:ext cx="3695760" cy="854280"/>
           </a:xfrm>
           <a:prstGeom prst="rect">
             <a:avLst/>
@@ -11669,7 +11669,7 @@
         <p:spPr>
           <a:xfrm>
             <a:off x="4222080" y="1246680"/>
-            <a:ext cx="4114440" cy="3599280"/>
+            <a:ext cx="4114080" cy="3598920"/>
           </a:xfrm>
           <a:prstGeom prst="rect">
             <a:avLst/>
@@ -11720,8 +11720,8 @@
         </p:nvSpPr>
         <p:spPr>
           <a:xfrm rot="16200000">
-            <a:off x="-2181600" y="1734120"/>
-            <a:ext cx="5143320" cy="1683360"/>
+            <a:off x="-2181600" y="1734480"/>
+            <a:ext cx="5142960" cy="1683000"/>
           </a:xfrm>
           <a:prstGeom prst="roundRect">
             <a:avLst>
@@ -11758,8 +11758,8 @@
         </p:nvSpPr>
         <p:spPr>
           <a:xfrm rot="2745000">
-            <a:off x="8575200" y="103320"/>
-            <a:ext cx="1131840" cy="1131480"/>
+            <a:off x="8575200" y="102960"/>
+            <a:ext cx="1131480" cy="1131120"/>
           </a:xfrm>
           <a:prstGeom prst="roundRect">
             <a:avLst>
@@ -11796,8 +11796,8 @@
         </p:nvSpPr>
         <p:spPr>
           <a:xfrm rot="16200000">
-            <a:off x="614880" y="919440"/>
-            <a:ext cx="3231360" cy="3313080"/>
+            <a:off x="614880" y="919800"/>
+            <a:ext cx="3231000" cy="3312720"/>
           </a:xfrm>
           <a:prstGeom prst="roundRect">
             <a:avLst>
@@ -11863,7 +11863,7 @@
         <p:spPr>
           <a:xfrm>
             <a:off x="4214160" y="456120"/>
-            <a:ext cx="4111200" cy="854640"/>
+            <a:ext cx="4110840" cy="854280"/>
           </a:xfrm>
           <a:prstGeom prst="rect">
             <a:avLst/>
@@ -11945,7 +11945,7 @@
         <p:spPr>
           <a:xfrm>
             <a:off x="586440" y="1246680"/>
-            <a:ext cx="4003560" cy="3599280"/>
+            <a:ext cx="4003200" cy="3598920"/>
           </a:xfrm>
           <a:prstGeom prst="rect">
             <a:avLst/>
@@ -11997,7 +11997,7 @@
         <p:spPr>
           <a:xfrm>
             <a:off x="559800" y="446040"/>
-            <a:ext cx="4282920" cy="682920"/>
+            <a:ext cx="4282560" cy="682560"/>
           </a:xfrm>
           <a:prstGeom prst="rect">
             <a:avLst/>
@@ -12049,7 +12049,7 @@
         <p:spPr>
           <a:xfrm>
             <a:off x="5097600" y="360"/>
-            <a:ext cx="4379040" cy="5143320"/>
+            <a:ext cx="4378680" cy="5142960"/>
           </a:xfrm>
           <a:prstGeom prst="roundRect">
             <a:avLst>
@@ -12114,8 +12114,8 @@
         </p:nvSpPr>
         <p:spPr>
           <a:xfrm rot="2744400">
-            <a:off x="-280080" y="-25560"/>
-            <a:ext cx="703800" cy="703440"/>
+            <a:off x="-279720" y="-25560"/>
+            <a:ext cx="703440" cy="703080"/>
           </a:xfrm>
           <a:prstGeom prst="roundRect">
             <a:avLst>
@@ -12152,8 +12152,8 @@
         </p:nvSpPr>
         <p:spPr>
           <a:xfrm rot="2625600">
-            <a:off x="4861080" y="4146480"/>
-            <a:ext cx="467640" cy="467640"/>
+            <a:off x="4861080" y="4146120"/>
+            <a:ext cx="467280" cy="467280"/>
           </a:xfrm>
           <a:prstGeom prst="roundRect">
             <a:avLst>
@@ -12227,8 +12227,8 @@
         </p:nvSpPr>
         <p:spPr>
           <a:xfrm rot="2744400">
-            <a:off x="-280080" y="-25560"/>
-            <a:ext cx="703800" cy="703440"/>
+            <a:off x="-279720" y="-25560"/>
+            <a:ext cx="703440" cy="703080"/>
           </a:xfrm>
           <a:prstGeom prst="roundRect">
             <a:avLst>
@@ -12266,7 +12266,7 @@
         <p:spPr>
           <a:xfrm rot="2332200">
             <a:off x="6009120" y="-319680"/>
-            <a:ext cx="4854960" cy="7725960"/>
+            <a:ext cx="4854600" cy="7725600"/>
           </a:xfrm>
           <a:prstGeom prst="roundRect">
             <a:avLst>
@@ -12304,9 +12304,9 @@
         <p:grpSpPr>
           <a:xfrm>
             <a:off x="4571640" y="828000"/>
-            <a:ext cx="4467600" cy="3563640"/>
+            <a:ext cx="4467240" cy="3563280"/>
             <a:chOff x="4571640" y="828000"/>
-            <a:chExt cx="4467600" cy="3563640"/>
+            <a:chExt cx="4467240" cy="3563280"/>
           </a:xfrm>
         </p:grpSpPr>
         <p:pic>
@@ -12322,7 +12322,7 @@
           <p:spPr>
             <a:xfrm>
               <a:off x="4571640" y="828000"/>
-              <a:ext cx="4467600" cy="3563640"/>
+              <a:ext cx="4467240" cy="3563280"/>
             </a:xfrm>
             <a:prstGeom prst="rect">
               <a:avLst/>
@@ -12340,8 +12340,8 @@
           </p:nvSpPr>
           <p:spPr>
             <a:xfrm rot="16200000">
-              <a:off x="5962680" y="1159560"/>
-              <a:ext cx="1736640" cy="2770560"/>
+              <a:off x="5962680" y="1159920"/>
+              <a:ext cx="1736280" cy="2770200"/>
             </a:xfrm>
             <a:prstGeom prst="roundRect">
               <a:avLst>
@@ -12408,7 +12408,7 @@
         <p:spPr>
           <a:xfrm>
             <a:off x="5446080" y="1672200"/>
-            <a:ext cx="2770200" cy="1736640"/>
+            <a:ext cx="2769840" cy="1736280"/>
           </a:xfrm>
           <a:prstGeom prst="rect">
             <a:avLst/>
@@ -12460,7 +12460,7 @@
         <p:spPr>
           <a:xfrm>
             <a:off x="586440" y="1246680"/>
-            <a:ext cx="4003560" cy="3599280"/>
+            <a:ext cx="4003200" cy="3598920"/>
           </a:xfrm>
           <a:prstGeom prst="rect">
             <a:avLst/>
@@ -12512,7 +12512,7 @@
         <p:spPr>
           <a:xfrm>
             <a:off x="586440" y="453960"/>
-            <a:ext cx="4763520" cy="854640"/>
+            <a:ext cx="4763160" cy="854280"/>
           </a:xfrm>
           <a:prstGeom prst="rect">
             <a:avLst/>
@@ -12600,8 +12600,8 @@
         </p:nvSpPr>
         <p:spPr>
           <a:xfrm rot="2745600">
-            <a:off x="8349840" y="-668160"/>
-            <a:ext cx="1497600" cy="1497600"/>
+            <a:off x="8349840" y="-667800"/>
+            <a:ext cx="1497240" cy="1497240"/>
           </a:xfrm>
           <a:prstGeom prst="roundRect">
             <a:avLst>
@@ -12639,7 +12639,7 @@
         <p:spPr>
           <a:xfrm rot="2745600">
             <a:off x="7634160" y="-322200"/>
-            <a:ext cx="806400" cy="806760"/>
+            <a:ext cx="806040" cy="806400"/>
           </a:xfrm>
           <a:prstGeom prst="roundRect">
             <a:avLst>
@@ -12678,7 +12678,7 @@
         <p:spPr>
           <a:xfrm>
             <a:off x="586440" y="899640"/>
-            <a:ext cx="7931160" cy="1536480"/>
+            <a:ext cx="7930800" cy="1536120"/>
           </a:xfrm>
           <a:prstGeom prst="rect">
             <a:avLst/>
@@ -12730,7 +12730,7 @@
         <p:spPr>
           <a:xfrm>
             <a:off x="608040" y="2545560"/>
-            <a:ext cx="3711600" cy="2255040"/>
+            <a:ext cx="3711240" cy="2254680"/>
           </a:xfrm>
           <a:prstGeom prst="rect">
             <a:avLst/>
@@ -12782,7 +12782,7 @@
         <p:spPr>
           <a:xfrm>
             <a:off x="4806360" y="2545560"/>
-            <a:ext cx="3711600" cy="2255040"/>
+            <a:ext cx="3711240" cy="2254680"/>
           </a:xfrm>
           <a:prstGeom prst="rect">
             <a:avLst/>
@@ -12834,7 +12834,7 @@
         <p:spPr>
           <a:xfrm>
             <a:off x="583200" y="450720"/>
-            <a:ext cx="7197480" cy="511560"/>
+            <a:ext cx="7197120" cy="511200"/>
           </a:xfrm>
           <a:prstGeom prst="rect">
             <a:avLst/>
@@ -12916,7 +12916,7 @@
         <p:spPr>
           <a:xfrm>
             <a:off x="586440" y="1246680"/>
-            <a:ext cx="4003560" cy="3599280"/>
+            <a:ext cx="4003200" cy="3598920"/>
           </a:xfrm>
           <a:prstGeom prst="rect">
             <a:avLst/>
@@ -12968,7 +12968,7 @@
         <p:spPr>
           <a:xfrm>
             <a:off x="559800" y="446040"/>
-            <a:ext cx="4282920" cy="682920"/>
+            <a:ext cx="4282560" cy="682560"/>
           </a:xfrm>
           <a:prstGeom prst="rect">
             <a:avLst/>
@@ -13020,7 +13020,7 @@
         <p:spPr>
           <a:xfrm>
             <a:off x="5097600" y="360"/>
-            <a:ext cx="4379040" cy="5143320"/>
+            <a:ext cx="4378680" cy="5142960"/>
           </a:xfrm>
           <a:prstGeom prst="roundRect">
             <a:avLst>
@@ -13085,8 +13085,8 @@
         </p:nvSpPr>
         <p:spPr>
           <a:xfrm rot="2744400">
-            <a:off x="-280080" y="-25560"/>
-            <a:ext cx="703800" cy="703440"/>
+            <a:off x="-279720" y="-25560"/>
+            <a:ext cx="703440" cy="703080"/>
           </a:xfrm>
           <a:prstGeom prst="roundRect">
             <a:avLst>
@@ -13123,8 +13123,8 @@
         </p:nvSpPr>
         <p:spPr>
           <a:xfrm rot="2625600">
-            <a:off x="4861080" y="4146480"/>
-            <a:ext cx="467640" cy="467640"/>
+            <a:off x="4861080" y="4146120"/>
+            <a:ext cx="467280" cy="467280"/>
           </a:xfrm>
           <a:prstGeom prst="roundRect">
             <a:avLst>
@@ -13198,8 +13198,8 @@
         </p:nvSpPr>
         <p:spPr>
           <a:xfrm rot="2744400">
-            <a:off x="-349200" y="4539600"/>
-            <a:ext cx="703800" cy="703440"/>
+            <a:off x="-348840" y="4539240"/>
+            <a:ext cx="703440" cy="703080"/>
           </a:xfrm>
           <a:prstGeom prst="roundRect">
             <a:avLst>
@@ -13236,8 +13236,8 @@
         </p:nvSpPr>
         <p:spPr>
           <a:xfrm rot="19228200">
-            <a:off x="5845680" y="-2265840"/>
-            <a:ext cx="4854600" cy="7725600"/>
+            <a:off x="5845680" y="-2265480"/>
+            <a:ext cx="4854240" cy="7725240"/>
           </a:xfrm>
           <a:prstGeom prst="roundRect">
             <a:avLst>
@@ -13275,9 +13275,9 @@
         <p:grpSpPr>
           <a:xfrm>
             <a:off x="4571640" y="828000"/>
-            <a:ext cx="4467600" cy="3563640"/>
+            <a:ext cx="4467240" cy="3563280"/>
             <a:chOff x="4571640" y="828000"/>
-            <a:chExt cx="4467600" cy="3563640"/>
+            <a:chExt cx="4467240" cy="3563280"/>
           </a:xfrm>
         </p:grpSpPr>
         <p:pic>
@@ -13293,7 +13293,7 @@
           <p:spPr>
             <a:xfrm>
               <a:off x="4571640" y="828000"/>
-              <a:ext cx="4467600" cy="3563640"/>
+              <a:ext cx="4467240" cy="3563280"/>
             </a:xfrm>
             <a:prstGeom prst="rect">
               <a:avLst/>
@@ -13311,8 +13311,8 @@
           </p:nvSpPr>
           <p:spPr>
             <a:xfrm rot="16200000">
-              <a:off x="5962680" y="1159560"/>
-              <a:ext cx="1736640" cy="2770560"/>
+              <a:off x="5962680" y="1159920"/>
+              <a:ext cx="1736280" cy="2770200"/>
             </a:xfrm>
             <a:prstGeom prst="roundRect">
               <a:avLst>
@@ -13379,7 +13379,7 @@
         <p:spPr>
           <a:xfrm>
             <a:off x="586440" y="1246680"/>
-            <a:ext cx="4003560" cy="3599280"/>
+            <a:ext cx="4003200" cy="3598920"/>
           </a:xfrm>
           <a:prstGeom prst="rect">
             <a:avLst/>
@@ -13431,7 +13431,7 @@
         <p:spPr>
           <a:xfrm>
             <a:off x="5446080" y="1672200"/>
-            <a:ext cx="2779560" cy="1736640"/>
+            <a:ext cx="2779200" cy="1736280"/>
           </a:xfrm>
           <a:prstGeom prst="rect">
             <a:avLst/>
@@ -13483,7 +13483,7 @@
         <p:spPr>
           <a:xfrm>
             <a:off x="586440" y="453960"/>
-            <a:ext cx="3696120" cy="854640"/>
+            <a:ext cx="3695760" cy="854280"/>
           </a:xfrm>
           <a:prstGeom prst="rect">
             <a:avLst/>
@@ -13572,7 +13572,7 @@
         <p:spPr>
           <a:xfrm>
             <a:off x="4222080" y="1246680"/>
-            <a:ext cx="4114440" cy="3599280"/>
+            <a:ext cx="4114080" cy="3598920"/>
           </a:xfrm>
           <a:prstGeom prst="rect">
             <a:avLst/>
@@ -13623,8 +13623,8 @@
         </p:nvSpPr>
         <p:spPr>
           <a:xfrm rot="16200000">
-            <a:off x="-2181600" y="1734120"/>
-            <a:ext cx="5143320" cy="1683360"/>
+            <a:off x="-2181600" y="1734480"/>
+            <a:ext cx="5142960" cy="1683000"/>
           </a:xfrm>
           <a:prstGeom prst="roundRect">
             <a:avLst>
@@ -13661,8 +13661,8 @@
         </p:nvSpPr>
         <p:spPr>
           <a:xfrm rot="2745000">
-            <a:off x="8575200" y="103320"/>
-            <a:ext cx="1131840" cy="1131480"/>
+            <a:off x="8575200" y="102960"/>
+            <a:ext cx="1131480" cy="1131120"/>
           </a:xfrm>
           <a:prstGeom prst="roundRect">
             <a:avLst>
@@ -13699,8 +13699,8 @@
         </p:nvSpPr>
         <p:spPr>
           <a:xfrm rot="16200000">
-            <a:off x="614880" y="919440"/>
-            <a:ext cx="3231360" cy="3313080"/>
+            <a:off x="614880" y="919800"/>
+            <a:ext cx="3231000" cy="3312720"/>
           </a:xfrm>
           <a:prstGeom prst="roundRect">
             <a:avLst>
@@ -13766,7 +13766,7 @@
         <p:spPr>
           <a:xfrm>
             <a:off x="4214160" y="456120"/>
-            <a:ext cx="4111200" cy="854640"/>
+            <a:ext cx="4110840" cy="854280"/>
           </a:xfrm>
           <a:prstGeom prst="rect">
             <a:avLst/>
@@ -13854,8 +13854,8 @@
         </p:nvSpPr>
         <p:spPr>
           <a:xfrm rot="2744400">
-            <a:off x="-280080" y="-25560"/>
-            <a:ext cx="703800" cy="703440"/>
+            <a:off x="-279720" y="-25560"/>
+            <a:ext cx="703440" cy="703080"/>
           </a:xfrm>
           <a:prstGeom prst="roundRect">
             <a:avLst>
@@ -13893,7 +13893,7 @@
         <p:spPr>
           <a:xfrm rot="2332200">
             <a:off x="6009120" y="-319680"/>
-            <a:ext cx="4854960" cy="7725960"/>
+            <a:ext cx="4854600" cy="7725600"/>
           </a:xfrm>
           <a:prstGeom prst="roundRect">
             <a:avLst>
@@ -13931,9 +13931,9 @@
         <p:grpSpPr>
           <a:xfrm>
             <a:off x="4571640" y="828000"/>
-            <a:ext cx="4467600" cy="3563640"/>
+            <a:ext cx="4467240" cy="3563280"/>
             <a:chOff x="4571640" y="828000"/>
-            <a:chExt cx="4467600" cy="3563640"/>
+            <a:chExt cx="4467240" cy="3563280"/>
           </a:xfrm>
         </p:grpSpPr>
         <p:pic>
@@ -13949,7 +13949,7 @@
           <p:spPr>
             <a:xfrm>
               <a:off x="4571640" y="828000"/>
-              <a:ext cx="4467600" cy="3563640"/>
+              <a:ext cx="4467240" cy="3563280"/>
             </a:xfrm>
             <a:prstGeom prst="rect">
               <a:avLst/>
@@ -13967,8 +13967,8 @@
           </p:nvSpPr>
           <p:spPr>
             <a:xfrm rot="16200000">
-              <a:off x="5962680" y="1159560"/>
-              <a:ext cx="1736640" cy="2770560"/>
+              <a:off x="5962680" y="1159920"/>
+              <a:ext cx="1736280" cy="2770200"/>
             </a:xfrm>
             <a:prstGeom prst="roundRect">
               <a:avLst>
@@ -14035,7 +14035,7 @@
         <p:spPr>
           <a:xfrm>
             <a:off x="5446080" y="1672200"/>
-            <a:ext cx="2770200" cy="1736640"/>
+            <a:ext cx="2769840" cy="1736280"/>
           </a:xfrm>
           <a:prstGeom prst="rect">
             <a:avLst/>
@@ -14087,7 +14087,7 @@
         <p:spPr>
           <a:xfrm>
             <a:off x="586440" y="1246680"/>
-            <a:ext cx="4003560" cy="3599280"/>
+            <a:ext cx="4003200" cy="3598920"/>
           </a:xfrm>
           <a:prstGeom prst="rect">
             <a:avLst/>
@@ -14139,7 +14139,7 @@
         <p:spPr>
           <a:xfrm>
             <a:off x="586440" y="453960"/>
-            <a:ext cx="4763520" cy="854640"/>
+            <a:ext cx="4763160" cy="854280"/>
           </a:xfrm>
           <a:prstGeom prst="rect">
             <a:avLst/>
@@ -14227,8 +14227,8 @@
         </p:nvSpPr>
         <p:spPr>
           <a:xfrm rot="2745600">
-            <a:off x="8349840" y="-668160"/>
-            <a:ext cx="1497600" cy="1497600"/>
+            <a:off x="8349840" y="-667800"/>
+            <a:ext cx="1497240" cy="1497240"/>
           </a:xfrm>
           <a:prstGeom prst="roundRect">
             <a:avLst>
@@ -14266,7 +14266,7 @@
         <p:spPr>
           <a:xfrm rot="2745600">
             <a:off x="7634160" y="-322200"/>
-            <a:ext cx="806400" cy="806760"/>
+            <a:ext cx="806040" cy="806400"/>
           </a:xfrm>
           <a:prstGeom prst="roundRect">
             <a:avLst>
@@ -14305,7 +14305,7 @@
         <p:spPr>
           <a:xfrm>
             <a:off x="586440" y="899640"/>
-            <a:ext cx="7931160" cy="1536480"/>
+            <a:ext cx="7930800" cy="1536120"/>
           </a:xfrm>
           <a:prstGeom prst="rect">
             <a:avLst/>
@@ -14357,7 +14357,7 @@
         <p:spPr>
           <a:xfrm>
             <a:off x="608040" y="2545560"/>
-            <a:ext cx="3711600" cy="2255040"/>
+            <a:ext cx="3711240" cy="2254680"/>
           </a:xfrm>
           <a:prstGeom prst="rect">
             <a:avLst/>
@@ -14409,7 +14409,7 @@
         <p:spPr>
           <a:xfrm>
             <a:off x="4806360" y="2545560"/>
-            <a:ext cx="3711600" cy="2255040"/>
+            <a:ext cx="3711240" cy="2254680"/>
           </a:xfrm>
           <a:prstGeom prst="rect">
             <a:avLst/>
@@ -14461,7 +14461,7 @@
         <p:spPr>
           <a:xfrm>
             <a:off x="583200" y="450720"/>
-            <a:ext cx="7197480" cy="511560"/>
+            <a:ext cx="7197120" cy="511200"/>
           </a:xfrm>
           <a:prstGeom prst="rect">
             <a:avLst/>
@@ -14543,7 +14543,7 @@
         <p:spPr>
           <a:xfrm>
             <a:off x="586440" y="1246680"/>
-            <a:ext cx="4003560" cy="3599280"/>
+            <a:ext cx="4003200" cy="3598920"/>
           </a:xfrm>
           <a:prstGeom prst="rect">
             <a:avLst/>
@@ -14595,7 +14595,7 @@
         <p:spPr>
           <a:xfrm>
             <a:off x="559800" y="446040"/>
-            <a:ext cx="4282920" cy="682920"/>
+            <a:ext cx="4282560" cy="682560"/>
           </a:xfrm>
           <a:prstGeom prst="rect">
             <a:avLst/>
@@ -14647,7 +14647,7 @@
         <p:spPr>
           <a:xfrm>
             <a:off x="5097600" y="360"/>
-            <a:ext cx="4379040" cy="5143320"/>
+            <a:ext cx="4378680" cy="5142960"/>
           </a:xfrm>
           <a:prstGeom prst="roundRect">
             <a:avLst>
@@ -14712,8 +14712,8 @@
         </p:nvSpPr>
         <p:spPr>
           <a:xfrm rot="2744400">
-            <a:off x="-280080" y="-25560"/>
-            <a:ext cx="703800" cy="703440"/>
+            <a:off x="-279720" y="-25560"/>
+            <a:ext cx="703440" cy="703080"/>
           </a:xfrm>
           <a:prstGeom prst="roundRect">
             <a:avLst>
@@ -14750,8 +14750,8 @@
         </p:nvSpPr>
         <p:spPr>
           <a:xfrm rot="2625600">
-            <a:off x="4861080" y="4146480"/>
-            <a:ext cx="467640" cy="467640"/>
+            <a:off x="4861080" y="4146120"/>
+            <a:ext cx="467280" cy="467280"/>
           </a:xfrm>
           <a:prstGeom prst="roundRect">
             <a:avLst>
@@ -14825,8 +14825,8 @@
         </p:nvSpPr>
         <p:spPr>
           <a:xfrm rot="2744400">
-            <a:off x="-349200" y="4539600"/>
-            <a:ext cx="703800" cy="703440"/>
+            <a:off x="-348840" y="4539240"/>
+            <a:ext cx="703440" cy="703080"/>
           </a:xfrm>
           <a:prstGeom prst="roundRect">
             <a:avLst>
@@ -14863,8 +14863,8 @@
         </p:nvSpPr>
         <p:spPr>
           <a:xfrm rot="19228200">
-            <a:off x="5845680" y="-2265840"/>
-            <a:ext cx="4854600" cy="7725600"/>
+            <a:off x="5845680" y="-2265480"/>
+            <a:ext cx="4854240" cy="7725240"/>
           </a:xfrm>
           <a:prstGeom prst="roundRect">
             <a:avLst>
@@ -14902,9 +14902,9 @@
         <p:grpSpPr>
           <a:xfrm>
             <a:off x="4571640" y="828000"/>
-            <a:ext cx="4467600" cy="3563640"/>
+            <a:ext cx="4467240" cy="3563280"/>
             <a:chOff x="4571640" y="828000"/>
-            <a:chExt cx="4467600" cy="3563640"/>
+            <a:chExt cx="4467240" cy="3563280"/>
           </a:xfrm>
         </p:grpSpPr>
         <p:pic>
@@ -14920,7 +14920,7 @@
           <p:spPr>
             <a:xfrm>
               <a:off x="4571640" y="828000"/>
-              <a:ext cx="4467600" cy="3563640"/>
+              <a:ext cx="4467240" cy="3563280"/>
             </a:xfrm>
             <a:prstGeom prst="rect">
               <a:avLst/>
@@ -14938,8 +14938,8 @@
           </p:nvSpPr>
           <p:spPr>
             <a:xfrm rot="16200000">
-              <a:off x="5962680" y="1159560"/>
-              <a:ext cx="1736640" cy="2770560"/>
+              <a:off x="5962680" y="1159920"/>
+              <a:ext cx="1736280" cy="2770200"/>
             </a:xfrm>
             <a:prstGeom prst="roundRect">
               <a:avLst>
@@ -15006,7 +15006,7 @@
         <p:spPr>
           <a:xfrm>
             <a:off x="586440" y="1246680"/>
-            <a:ext cx="4003560" cy="3599280"/>
+            <a:ext cx="4003200" cy="3598920"/>
           </a:xfrm>
           <a:prstGeom prst="rect">
             <a:avLst/>
@@ -15058,7 +15058,7 @@
         <p:spPr>
           <a:xfrm>
             <a:off x="5446080" y="1672200"/>
-            <a:ext cx="2779560" cy="1736640"/>
+            <a:ext cx="2779200" cy="1736280"/>
           </a:xfrm>
           <a:prstGeom prst="rect">
             <a:avLst/>
@@ -15110,7 +15110,7 @@
         <p:spPr>
           <a:xfrm>
             <a:off x="586440" y="453960"/>
-            <a:ext cx="3696120" cy="854640"/>
+            <a:ext cx="3695760" cy="854280"/>
           </a:xfrm>
           <a:prstGeom prst="rect">
             <a:avLst/>
@@ -15199,7 +15199,7 @@
         <p:spPr>
           <a:xfrm>
             <a:off x="4222080" y="1246680"/>
-            <a:ext cx="4114440" cy="3599280"/>
+            <a:ext cx="4114080" cy="3598920"/>
           </a:xfrm>
           <a:prstGeom prst="rect">
             <a:avLst/>
@@ -15250,8 +15250,8 @@
         </p:nvSpPr>
         <p:spPr>
           <a:xfrm rot="16200000">
-            <a:off x="-2181600" y="1734120"/>
-            <a:ext cx="5143320" cy="1683360"/>
+            <a:off x="-2181600" y="1734480"/>
+            <a:ext cx="5142960" cy="1683000"/>
           </a:xfrm>
           <a:prstGeom prst="roundRect">
             <a:avLst>
@@ -15288,8 +15288,8 @@
         </p:nvSpPr>
         <p:spPr>
           <a:xfrm rot="2745000">
-            <a:off x="8575200" y="103320"/>
-            <a:ext cx="1131840" cy="1131480"/>
+            <a:off x="8575200" y="102960"/>
+            <a:ext cx="1131480" cy="1131120"/>
           </a:xfrm>
           <a:prstGeom prst="roundRect">
             <a:avLst>
@@ -15326,8 +15326,8 @@
         </p:nvSpPr>
         <p:spPr>
           <a:xfrm rot="16200000">
-            <a:off x="614880" y="919440"/>
-            <a:ext cx="3231360" cy="3313080"/>
+            <a:off x="614880" y="919800"/>
+            <a:ext cx="3231000" cy="3312720"/>
           </a:xfrm>
           <a:prstGeom prst="roundRect">
             <a:avLst>
@@ -15393,7 +15393,7 @@
         <p:spPr>
           <a:xfrm>
             <a:off x="4214160" y="456120"/>
-            <a:ext cx="4111200" cy="854640"/>
+            <a:ext cx="4110840" cy="854280"/>
           </a:xfrm>
           <a:prstGeom prst="rect">
             <a:avLst/>
@@ -15481,8 +15481,8 @@
         </p:nvSpPr>
         <p:spPr>
           <a:xfrm rot="2744400">
-            <a:off x="-349200" y="4539600"/>
-            <a:ext cx="703800" cy="703440"/>
+            <a:off x="-348840" y="4539240"/>
+            <a:ext cx="703440" cy="703080"/>
           </a:xfrm>
           <a:prstGeom prst="roundRect">
             <a:avLst>
@@ -15519,8 +15519,8 @@
         </p:nvSpPr>
         <p:spPr>
           <a:xfrm rot="19228200">
-            <a:off x="5845680" y="-2265840"/>
-            <a:ext cx="4854600" cy="7725600"/>
+            <a:off x="5845680" y="-2265480"/>
+            <a:ext cx="4854240" cy="7725240"/>
           </a:xfrm>
           <a:prstGeom prst="roundRect">
             <a:avLst>
@@ -15558,9 +15558,9 @@
         <p:grpSpPr>
           <a:xfrm>
             <a:off x="4571640" y="828000"/>
-            <a:ext cx="4467600" cy="3563640"/>
+            <a:ext cx="4467240" cy="3563280"/>
             <a:chOff x="4571640" y="828000"/>
-            <a:chExt cx="4467600" cy="3563640"/>
+            <a:chExt cx="4467240" cy="3563280"/>
           </a:xfrm>
         </p:grpSpPr>
         <p:pic>
@@ -15576,7 +15576,7 @@
           <p:spPr>
             <a:xfrm>
               <a:off x="4571640" y="828000"/>
-              <a:ext cx="4467600" cy="3563640"/>
+              <a:ext cx="4467240" cy="3563280"/>
             </a:xfrm>
             <a:prstGeom prst="rect">
               <a:avLst/>
@@ -15594,8 +15594,8 @@
           </p:nvSpPr>
           <p:spPr>
             <a:xfrm rot="16200000">
-              <a:off x="5962680" y="1159560"/>
-              <a:ext cx="1736640" cy="2770560"/>
+              <a:off x="5962680" y="1159920"/>
+              <a:ext cx="1736280" cy="2770200"/>
             </a:xfrm>
             <a:prstGeom prst="roundRect">
               <a:avLst>
@@ -15662,7 +15662,7 @@
         <p:spPr>
           <a:xfrm>
             <a:off x="586440" y="1246680"/>
-            <a:ext cx="4003560" cy="3599280"/>
+            <a:ext cx="4003200" cy="3598920"/>
           </a:xfrm>
           <a:prstGeom prst="rect">
             <a:avLst/>
@@ -15714,7 +15714,7 @@
         <p:spPr>
           <a:xfrm>
             <a:off x="5446080" y="1672200"/>
-            <a:ext cx="2779560" cy="1736640"/>
+            <a:ext cx="2779200" cy="1736280"/>
           </a:xfrm>
           <a:prstGeom prst="rect">
             <a:avLst/>
@@ -15766,7 +15766,7 @@
         <p:spPr>
           <a:xfrm>
             <a:off x="586440" y="453960"/>
-            <a:ext cx="3696120" cy="854640"/>
+            <a:ext cx="3695760" cy="854280"/>
           </a:xfrm>
           <a:prstGeom prst="rect">
             <a:avLst/>
@@ -15854,8 +15854,8 @@
         </p:nvSpPr>
         <p:spPr>
           <a:xfrm rot="2744400">
-            <a:off x="-280080" y="-25560"/>
-            <a:ext cx="703800" cy="703440"/>
+            <a:off x="-279720" y="-25560"/>
+            <a:ext cx="703440" cy="703080"/>
           </a:xfrm>
           <a:prstGeom prst="roundRect">
             <a:avLst>
@@ -15893,7 +15893,7 @@
         <p:spPr>
           <a:xfrm rot="2332200">
             <a:off x="6009120" y="-319680"/>
-            <a:ext cx="4854960" cy="7725960"/>
+            <a:ext cx="4854600" cy="7725600"/>
           </a:xfrm>
           <a:prstGeom prst="roundRect">
             <a:avLst>
@@ -15931,9 +15931,9 @@
         <p:grpSpPr>
           <a:xfrm>
             <a:off x="4571640" y="828000"/>
-            <a:ext cx="4467600" cy="3563640"/>
+            <a:ext cx="4467240" cy="3563280"/>
             <a:chOff x="4571640" y="828000"/>
-            <a:chExt cx="4467600" cy="3563640"/>
+            <a:chExt cx="4467240" cy="3563280"/>
           </a:xfrm>
         </p:grpSpPr>
         <p:pic>
@@ -15949,7 +15949,7 @@
           <p:spPr>
             <a:xfrm>
               <a:off x="4571640" y="828000"/>
-              <a:ext cx="4467600" cy="3563640"/>
+              <a:ext cx="4467240" cy="3563280"/>
             </a:xfrm>
             <a:prstGeom prst="rect">
               <a:avLst/>
@@ -15967,8 +15967,8 @@
           </p:nvSpPr>
           <p:spPr>
             <a:xfrm rot="16200000">
-              <a:off x="5962680" y="1159560"/>
-              <a:ext cx="1736640" cy="2770560"/>
+              <a:off x="5962680" y="1159920"/>
+              <a:ext cx="1736280" cy="2770200"/>
             </a:xfrm>
             <a:prstGeom prst="roundRect">
               <a:avLst>
@@ -16035,7 +16035,7 @@
         <p:spPr>
           <a:xfrm>
             <a:off x="5446080" y="1672200"/>
-            <a:ext cx="2770200" cy="1736640"/>
+            <a:ext cx="2769840" cy="1736280"/>
           </a:xfrm>
           <a:prstGeom prst="rect">
             <a:avLst/>
@@ -16087,7 +16087,7 @@
         <p:spPr>
           <a:xfrm>
             <a:off x="586440" y="1246680"/>
-            <a:ext cx="4003560" cy="3599280"/>
+            <a:ext cx="4003200" cy="3598920"/>
           </a:xfrm>
           <a:prstGeom prst="rect">
             <a:avLst/>
@@ -16139,7 +16139,7 @@
         <p:spPr>
           <a:xfrm>
             <a:off x="586440" y="453960"/>
-            <a:ext cx="4763520" cy="854640"/>
+            <a:ext cx="4763160" cy="854280"/>
           </a:xfrm>
           <a:prstGeom prst="rect">
             <a:avLst/>
@@ -16227,8 +16227,8 @@
         </p:nvSpPr>
         <p:spPr>
           <a:xfrm rot="2745600">
-            <a:off x="8349840" y="-668160"/>
-            <a:ext cx="1497600" cy="1497600"/>
+            <a:off x="8349840" y="-667800"/>
+            <a:ext cx="1497240" cy="1497240"/>
           </a:xfrm>
           <a:prstGeom prst="roundRect">
             <a:avLst>
@@ -16266,7 +16266,7 @@
         <p:spPr>
           <a:xfrm rot="2745600">
             <a:off x="7634160" y="-322200"/>
-            <a:ext cx="806400" cy="806760"/>
+            <a:ext cx="806040" cy="806400"/>
           </a:xfrm>
           <a:prstGeom prst="roundRect">
             <a:avLst>
@@ -16305,7 +16305,7 @@
         <p:spPr>
           <a:xfrm>
             <a:off x="586440" y="899640"/>
-            <a:ext cx="7931160" cy="1536480"/>
+            <a:ext cx="7930800" cy="1536120"/>
           </a:xfrm>
           <a:prstGeom prst="rect">
             <a:avLst/>
@@ -16357,7 +16357,7 @@
         <p:spPr>
           <a:xfrm>
             <a:off x="608040" y="2545560"/>
-            <a:ext cx="3711600" cy="2255040"/>
+            <a:ext cx="3711240" cy="2254680"/>
           </a:xfrm>
           <a:prstGeom prst="rect">
             <a:avLst/>
@@ -16409,7 +16409,7 @@
         <p:spPr>
           <a:xfrm>
             <a:off x="4806360" y="2545560"/>
-            <a:ext cx="3711600" cy="2255040"/>
+            <a:ext cx="3711240" cy="2254680"/>
           </a:xfrm>
           <a:prstGeom prst="rect">
             <a:avLst/>
@@ -16461,7 +16461,7 @@
         <p:spPr>
           <a:xfrm>
             <a:off x="583200" y="450720"/>
-            <a:ext cx="7197480" cy="511560"/>
+            <a:ext cx="7197120" cy="511200"/>
           </a:xfrm>
           <a:prstGeom prst="rect">
             <a:avLst/>
@@ -16543,7 +16543,7 @@
         <p:spPr>
           <a:xfrm>
             <a:off x="586440" y="1246680"/>
-            <a:ext cx="4003560" cy="3599280"/>
+            <a:ext cx="4003200" cy="3598920"/>
           </a:xfrm>
           <a:prstGeom prst="rect">
             <a:avLst/>
@@ -16595,7 +16595,7 @@
         <p:spPr>
           <a:xfrm>
             <a:off x="559800" y="446040"/>
-            <a:ext cx="4282920" cy="682920"/>
+            <a:ext cx="4282560" cy="682560"/>
           </a:xfrm>
           <a:prstGeom prst="rect">
             <a:avLst/>
@@ -16647,7 +16647,7 @@
         <p:spPr>
           <a:xfrm>
             <a:off x="5097600" y="360"/>
-            <a:ext cx="4379040" cy="5143320"/>
+            <a:ext cx="4378680" cy="5142960"/>
           </a:xfrm>
           <a:prstGeom prst="roundRect">
             <a:avLst>
@@ -16712,8 +16712,8 @@
         </p:nvSpPr>
         <p:spPr>
           <a:xfrm rot="2744400">
-            <a:off x="-280080" y="-25560"/>
-            <a:ext cx="703800" cy="703440"/>
+            <a:off x="-279720" y="-25560"/>
+            <a:ext cx="703440" cy="703080"/>
           </a:xfrm>
           <a:prstGeom prst="roundRect">
             <a:avLst>
@@ -16750,8 +16750,8 @@
         </p:nvSpPr>
         <p:spPr>
           <a:xfrm rot="2625600">
-            <a:off x="4861080" y="4146480"/>
-            <a:ext cx="467640" cy="467640"/>
+            <a:off x="4861080" y="4146120"/>
+            <a:ext cx="467280" cy="467280"/>
           </a:xfrm>
           <a:prstGeom prst="roundRect">
             <a:avLst>
@@ -16825,8 +16825,8 @@
         </p:nvSpPr>
         <p:spPr>
           <a:xfrm rot="2744400">
-            <a:off x="-349200" y="4539600"/>
-            <a:ext cx="703800" cy="703440"/>
+            <a:off x="-348840" y="4539240"/>
+            <a:ext cx="703440" cy="703080"/>
           </a:xfrm>
           <a:prstGeom prst="roundRect">
             <a:avLst>
@@ -16863,8 +16863,8 @@
         </p:nvSpPr>
         <p:spPr>
           <a:xfrm rot="19228200">
-            <a:off x="5845680" y="-2265840"/>
-            <a:ext cx="4854600" cy="7725600"/>
+            <a:off x="5845680" y="-2265480"/>
+            <a:ext cx="4854240" cy="7725240"/>
           </a:xfrm>
           <a:prstGeom prst="roundRect">
             <a:avLst>
@@ -16902,9 +16902,9 @@
         <p:grpSpPr>
           <a:xfrm>
             <a:off x="4571640" y="828000"/>
-            <a:ext cx="4467600" cy="3563640"/>
+            <a:ext cx="4467240" cy="3563280"/>
             <a:chOff x="4571640" y="828000"/>
-            <a:chExt cx="4467600" cy="3563640"/>
+            <a:chExt cx="4467240" cy="3563280"/>
           </a:xfrm>
         </p:grpSpPr>
         <p:pic>
@@ -16920,7 +16920,7 @@
           <p:spPr>
             <a:xfrm>
               <a:off x="4571640" y="828000"/>
-              <a:ext cx="4467600" cy="3563640"/>
+              <a:ext cx="4467240" cy="3563280"/>
             </a:xfrm>
             <a:prstGeom prst="rect">
               <a:avLst/>
@@ -16938,8 +16938,8 @@
           </p:nvSpPr>
           <p:spPr>
             <a:xfrm rot="16200000">
-              <a:off x="5962680" y="1159560"/>
-              <a:ext cx="1736640" cy="2770560"/>
+              <a:off x="5962680" y="1159920"/>
+              <a:ext cx="1736280" cy="2770200"/>
             </a:xfrm>
             <a:prstGeom prst="roundRect">
               <a:avLst>
@@ -17006,7 +17006,7 @@
         <p:spPr>
           <a:xfrm>
             <a:off x="586440" y="1246680"/>
-            <a:ext cx="4003560" cy="3599280"/>
+            <a:ext cx="4003200" cy="3598920"/>
           </a:xfrm>
           <a:prstGeom prst="rect">
             <a:avLst/>
@@ -17058,7 +17058,7 @@
         <p:spPr>
           <a:xfrm>
             <a:off x="5446080" y="1672200"/>
-            <a:ext cx="2779560" cy="1736640"/>
+            <a:ext cx="2779200" cy="1736280"/>
           </a:xfrm>
           <a:prstGeom prst="rect">
             <a:avLst/>
@@ -17110,7 +17110,7 @@
         <p:spPr>
           <a:xfrm>
             <a:off x="586440" y="453960"/>
-            <a:ext cx="3696120" cy="854640"/>
+            <a:ext cx="3695760" cy="854280"/>
           </a:xfrm>
           <a:prstGeom prst="rect">
             <a:avLst/>
@@ -17199,7 +17199,7 @@
         <p:spPr>
           <a:xfrm>
             <a:off x="4222080" y="1246680"/>
-            <a:ext cx="4114440" cy="3599280"/>
+            <a:ext cx="4114080" cy="3598920"/>
           </a:xfrm>
           <a:prstGeom prst="rect">
             <a:avLst/>
@@ -17250,8 +17250,8 @@
         </p:nvSpPr>
         <p:spPr>
           <a:xfrm rot="16200000">
-            <a:off x="-2181600" y="1734120"/>
-            <a:ext cx="5143320" cy="1683360"/>
+            <a:off x="-2181600" y="1734480"/>
+            <a:ext cx="5142960" cy="1683000"/>
           </a:xfrm>
           <a:prstGeom prst="roundRect">
             <a:avLst>
@@ -17288,8 +17288,8 @@
         </p:nvSpPr>
         <p:spPr>
           <a:xfrm rot="2745000">
-            <a:off x="8575200" y="103320"/>
-            <a:ext cx="1131840" cy="1131480"/>
+            <a:off x="8575200" y="102960"/>
+            <a:ext cx="1131480" cy="1131120"/>
           </a:xfrm>
           <a:prstGeom prst="roundRect">
             <a:avLst>
@@ -17326,8 +17326,8 @@
         </p:nvSpPr>
         <p:spPr>
           <a:xfrm rot="16200000">
-            <a:off x="614880" y="919440"/>
-            <a:ext cx="3231360" cy="3313080"/>
+            <a:off x="614880" y="919800"/>
+            <a:ext cx="3231000" cy="3312720"/>
           </a:xfrm>
           <a:prstGeom prst="roundRect">
             <a:avLst>
@@ -17393,7 +17393,7 @@
         <p:spPr>
           <a:xfrm>
             <a:off x="4214160" y="456120"/>
-            <a:ext cx="4111200" cy="854640"/>
+            <a:ext cx="4110840" cy="854280"/>
           </a:xfrm>
           <a:prstGeom prst="rect">
             <a:avLst/>
@@ -17481,8 +17481,8 @@
         </p:nvSpPr>
         <p:spPr>
           <a:xfrm rot="2744400">
-            <a:off x="-280080" y="-25560"/>
-            <a:ext cx="703800" cy="703440"/>
+            <a:off x="-279720" y="-25560"/>
+            <a:ext cx="703440" cy="703080"/>
           </a:xfrm>
           <a:prstGeom prst="roundRect">
             <a:avLst>
@@ -17520,7 +17520,7 @@
         <p:spPr>
           <a:xfrm rot="2332200">
             <a:off x="6009120" y="-319680"/>
-            <a:ext cx="4854960" cy="7725960"/>
+            <a:ext cx="4854600" cy="7725600"/>
           </a:xfrm>
           <a:prstGeom prst="roundRect">
             <a:avLst>
@@ -17558,9 +17558,9 @@
         <p:grpSpPr>
           <a:xfrm>
             <a:off x="4571640" y="828000"/>
-            <a:ext cx="4467600" cy="3563640"/>
+            <a:ext cx="4467240" cy="3563280"/>
             <a:chOff x="4571640" y="828000"/>
-            <a:chExt cx="4467600" cy="3563640"/>
+            <a:chExt cx="4467240" cy="3563280"/>
           </a:xfrm>
         </p:grpSpPr>
         <p:pic>
@@ -17576,7 +17576,7 @@
           <p:spPr>
             <a:xfrm>
               <a:off x="4571640" y="828000"/>
-              <a:ext cx="4467600" cy="3563640"/>
+              <a:ext cx="4467240" cy="3563280"/>
             </a:xfrm>
             <a:prstGeom prst="rect">
               <a:avLst/>
@@ -17594,8 +17594,8 @@
           </p:nvSpPr>
           <p:spPr>
             <a:xfrm rot="16200000">
-              <a:off x="5962680" y="1159560"/>
-              <a:ext cx="1736640" cy="2770560"/>
+              <a:off x="5962680" y="1159920"/>
+              <a:ext cx="1736280" cy="2770200"/>
             </a:xfrm>
             <a:prstGeom prst="roundRect">
               <a:avLst>
@@ -17662,7 +17662,7 @@
         <p:spPr>
           <a:xfrm>
             <a:off x="5446080" y="1672200"/>
-            <a:ext cx="2770200" cy="1736640"/>
+            <a:ext cx="2769840" cy="1736280"/>
           </a:xfrm>
           <a:prstGeom prst="rect">
             <a:avLst/>
@@ -17714,7 +17714,7 @@
         <p:spPr>
           <a:xfrm>
             <a:off x="586440" y="1246680"/>
-            <a:ext cx="4003560" cy="3599280"/>
+            <a:ext cx="4003200" cy="3598920"/>
           </a:xfrm>
           <a:prstGeom prst="rect">
             <a:avLst/>
@@ -17766,7 +17766,7 @@
         <p:spPr>
           <a:xfrm>
             <a:off x="586440" y="453960"/>
-            <a:ext cx="4763520" cy="854640"/>
+            <a:ext cx="4763160" cy="854280"/>
           </a:xfrm>
           <a:prstGeom prst="rect">
             <a:avLst/>
@@ -17854,8 +17854,8 @@
         </p:nvSpPr>
         <p:spPr>
           <a:xfrm rot="2745600">
-            <a:off x="8349840" y="-668160"/>
-            <a:ext cx="1497600" cy="1497600"/>
+            <a:off x="8349840" y="-667800"/>
+            <a:ext cx="1497240" cy="1497240"/>
           </a:xfrm>
           <a:prstGeom prst="roundRect">
             <a:avLst>
@@ -17893,7 +17893,7 @@
         <p:spPr>
           <a:xfrm rot="2745600">
             <a:off x="7634160" y="-322200"/>
-            <a:ext cx="806400" cy="806760"/>
+            <a:ext cx="806040" cy="806400"/>
           </a:xfrm>
           <a:prstGeom prst="roundRect">
             <a:avLst>
@@ -17932,7 +17932,7 @@
         <p:spPr>
           <a:xfrm>
             <a:off x="586440" y="899640"/>
-            <a:ext cx="7931160" cy="1536480"/>
+            <a:ext cx="7930800" cy="1536120"/>
           </a:xfrm>
           <a:prstGeom prst="rect">
             <a:avLst/>
@@ -17984,7 +17984,7 @@
         <p:spPr>
           <a:xfrm>
             <a:off x="608040" y="2545560"/>
-            <a:ext cx="3711600" cy="2255040"/>
+            <a:ext cx="3711240" cy="2254680"/>
           </a:xfrm>
           <a:prstGeom prst="rect">
             <a:avLst/>
@@ -18036,7 +18036,7 @@
         <p:spPr>
           <a:xfrm>
             <a:off x="4806360" y="2545560"/>
-            <a:ext cx="3711600" cy="2255040"/>
+            <a:ext cx="3711240" cy="2254680"/>
           </a:xfrm>
           <a:prstGeom prst="rect">
             <a:avLst/>
@@ -18088,7 +18088,7 @@
         <p:spPr>
           <a:xfrm>
             <a:off x="583200" y="450720"/>
-            <a:ext cx="7197480" cy="511560"/>
+            <a:ext cx="7197120" cy="511200"/>
           </a:xfrm>
           <a:prstGeom prst="rect">
             <a:avLst/>
@@ -18176,8 +18176,8 @@
         </p:nvSpPr>
         <p:spPr>
           <a:xfrm rot="2744400">
-            <a:off x="-280080" y="-25560"/>
-            <a:ext cx="703800" cy="703440"/>
+            <a:off x="-279720" y="-25560"/>
+            <a:ext cx="703440" cy="703080"/>
           </a:xfrm>
           <a:prstGeom prst="roundRect">
             <a:avLst>
@@ -18215,7 +18215,7 @@
         <p:spPr>
           <a:xfrm>
             <a:off x="569160" y="1888920"/>
-            <a:ext cx="4820400" cy="820800"/>
+            <a:ext cx="4820040" cy="820800"/>
           </a:xfrm>
           <a:prstGeom prst="rect">
             <a:avLst/>
@@ -18266,8 +18266,8 @@
         </p:nvSpPr>
         <p:spPr>
           <a:xfrm rot="18679800">
-            <a:off x="6782040" y="457920"/>
-            <a:ext cx="6249960" cy="4665600"/>
+            <a:off x="6781680" y="457920"/>
+            <a:ext cx="6249600" cy="4665240"/>
           </a:xfrm>
           <a:prstGeom prst="roundRect">
             <a:avLst>
@@ -18304,8 +18304,8 @@
         </p:nvSpPr>
         <p:spPr>
           <a:xfrm rot="2625600">
-            <a:off x="6024960" y="4332600"/>
-            <a:ext cx="467640" cy="467640"/>
+            <a:off x="6024960" y="4332240"/>
+            <a:ext cx="467280" cy="467280"/>
           </a:xfrm>
           <a:prstGeom prst="roundRect">
             <a:avLst>
@@ -18343,7 +18343,7 @@
         <p:spPr>
           <a:xfrm>
             <a:off x="1640880" y="4592880"/>
-            <a:ext cx="2994840" cy="265680"/>
+            <a:ext cx="2994480" cy="265320"/>
           </a:xfrm>
           <a:prstGeom prst="rect">
             <a:avLst/>
@@ -18405,7 +18405,7 @@
         <p:spPr>
           <a:xfrm>
             <a:off x="867240" y="3590280"/>
-            <a:ext cx="252720" cy="253080"/>
+            <a:ext cx="252360" cy="252720"/>
           </a:xfrm>
           <a:prstGeom prst="ellipse">
             <a:avLst/>
@@ -18440,7 +18440,7 @@
         <p:spPr>
           <a:xfrm>
             <a:off x="351000" y="3793320"/>
-            <a:ext cx="1285200" cy="1130760"/>
+            <a:ext cx="1284840" cy="1130400"/>
           </a:xfrm>
           <a:prstGeom prst="rect">
             <a:avLst/>
@@ -18496,7 +18496,7 @@
         <p:spPr>
           <a:xfrm>
             <a:off x="4222080" y="1246680"/>
-            <a:ext cx="4114440" cy="3599280"/>
+            <a:ext cx="4114080" cy="3598920"/>
           </a:xfrm>
           <a:prstGeom prst="rect">
             <a:avLst/>
@@ -18547,8 +18547,8 @@
         </p:nvSpPr>
         <p:spPr>
           <a:xfrm rot="16200000">
-            <a:off x="-2181600" y="1734120"/>
-            <a:ext cx="5143320" cy="1683360"/>
+            <a:off x="-2181600" y="1734480"/>
+            <a:ext cx="5142960" cy="1683000"/>
           </a:xfrm>
           <a:prstGeom prst="roundRect">
             <a:avLst>
@@ -18585,8 +18585,8 @@
         </p:nvSpPr>
         <p:spPr>
           <a:xfrm rot="2745000">
-            <a:off x="8575200" y="103320"/>
-            <a:ext cx="1131840" cy="1131480"/>
+            <a:off x="8575200" y="102960"/>
+            <a:ext cx="1131480" cy="1131120"/>
           </a:xfrm>
           <a:prstGeom prst="roundRect">
             <a:avLst>
@@ -18623,8 +18623,8 @@
         </p:nvSpPr>
         <p:spPr>
           <a:xfrm rot="16200000">
-            <a:off x="614880" y="919440"/>
-            <a:ext cx="3231360" cy="3313080"/>
+            <a:off x="614880" y="919800"/>
+            <a:ext cx="3231000" cy="3312720"/>
           </a:xfrm>
           <a:prstGeom prst="roundRect">
             <a:avLst>
@@ -18690,7 +18690,7 @@
         <p:spPr>
           <a:xfrm>
             <a:off x="4214160" y="456120"/>
-            <a:ext cx="4111200" cy="854640"/>
+            <a:ext cx="4110840" cy="854280"/>
           </a:xfrm>
           <a:prstGeom prst="rect">
             <a:avLst/>
@@ -18778,8 +18778,8 @@
         </p:nvSpPr>
         <p:spPr>
           <a:xfrm rot="2744400">
-            <a:off x="-280080" y="-25560"/>
-            <a:ext cx="703800" cy="703440"/>
+            <a:off x="-279720" y="-25560"/>
+            <a:ext cx="703440" cy="703080"/>
           </a:xfrm>
           <a:prstGeom prst="roundRect">
             <a:avLst>
@@ -18817,7 +18817,7 @@
         <p:spPr>
           <a:xfrm rot="2332200">
             <a:off x="6009120" y="-319680"/>
-            <a:ext cx="4854960" cy="7725960"/>
+            <a:ext cx="4854600" cy="7725600"/>
           </a:xfrm>
           <a:prstGeom prst="roundRect">
             <a:avLst>
@@ -18855,9 +18855,9 @@
         <p:grpSpPr>
           <a:xfrm>
             <a:off x="4571640" y="828000"/>
-            <a:ext cx="4467600" cy="3563640"/>
+            <a:ext cx="4467240" cy="3563280"/>
             <a:chOff x="4571640" y="828000"/>
-            <a:chExt cx="4467600" cy="3563640"/>
+            <a:chExt cx="4467240" cy="3563280"/>
           </a:xfrm>
         </p:grpSpPr>
         <p:pic>
@@ -18873,7 +18873,7 @@
           <p:spPr>
             <a:xfrm>
               <a:off x="4571640" y="828000"/>
-              <a:ext cx="4467600" cy="3563640"/>
+              <a:ext cx="4467240" cy="3563280"/>
             </a:xfrm>
             <a:prstGeom prst="rect">
               <a:avLst/>
@@ -18891,8 +18891,8 @@
           </p:nvSpPr>
           <p:spPr>
             <a:xfrm rot="16200000">
-              <a:off x="5962680" y="1159560"/>
-              <a:ext cx="1736640" cy="2770560"/>
+              <a:off x="5962680" y="1159920"/>
+              <a:ext cx="1736280" cy="2770200"/>
             </a:xfrm>
             <a:prstGeom prst="roundRect">
               <a:avLst>
@@ -18959,7 +18959,7 @@
         <p:spPr>
           <a:xfrm>
             <a:off x="5446080" y="1672200"/>
-            <a:ext cx="2770200" cy="1736640"/>
+            <a:ext cx="2769840" cy="1736280"/>
           </a:xfrm>
           <a:prstGeom prst="rect">
             <a:avLst/>
@@ -19011,7 +19011,7 @@
         <p:spPr>
           <a:xfrm>
             <a:off x="586440" y="1246680"/>
-            <a:ext cx="4003560" cy="3599280"/>
+            <a:ext cx="4003200" cy="3598920"/>
           </a:xfrm>
           <a:prstGeom prst="rect">
             <a:avLst/>
@@ -19063,7 +19063,7 @@
         <p:spPr>
           <a:xfrm>
             <a:off x="586440" y="453960"/>
-            <a:ext cx="4763520" cy="854640"/>
+            <a:ext cx="4763160" cy="854280"/>
           </a:xfrm>
           <a:prstGeom prst="rect">
             <a:avLst/>
@@ -19151,8 +19151,8 @@
         </p:nvSpPr>
         <p:spPr>
           <a:xfrm rot="2745600">
-            <a:off x="8349840" y="-668160"/>
-            <a:ext cx="1497600" cy="1497600"/>
+            <a:off x="8349840" y="-667800"/>
+            <a:ext cx="1497240" cy="1497240"/>
           </a:xfrm>
           <a:prstGeom prst="roundRect">
             <a:avLst>
@@ -19190,7 +19190,7 @@
         <p:spPr>
           <a:xfrm rot="2745600">
             <a:off x="7634160" y="-322200"/>
-            <a:ext cx="806400" cy="806760"/>
+            <a:ext cx="806040" cy="806400"/>
           </a:xfrm>
           <a:prstGeom prst="roundRect">
             <a:avLst>
@@ -19229,7 +19229,7 @@
         <p:spPr>
           <a:xfrm>
             <a:off x="586440" y="899640"/>
-            <a:ext cx="7931160" cy="1536480"/>
+            <a:ext cx="7930800" cy="1536120"/>
           </a:xfrm>
           <a:prstGeom prst="rect">
             <a:avLst/>
@@ -19281,7 +19281,7 @@
         <p:spPr>
           <a:xfrm>
             <a:off x="608040" y="2545560"/>
-            <a:ext cx="3711600" cy="2255040"/>
+            <a:ext cx="3711240" cy="2254680"/>
           </a:xfrm>
           <a:prstGeom prst="rect">
             <a:avLst/>
@@ -19333,7 +19333,7 @@
         <p:spPr>
           <a:xfrm>
             <a:off x="4806360" y="2545560"/>
-            <a:ext cx="3711600" cy="2255040"/>
+            <a:ext cx="3711240" cy="2254680"/>
           </a:xfrm>
           <a:prstGeom prst="rect">
             <a:avLst/>
@@ -19385,7 +19385,7 @@
         <p:spPr>
           <a:xfrm>
             <a:off x="583200" y="450720"/>
-            <a:ext cx="7197480" cy="511560"/>
+            <a:ext cx="7197120" cy="511200"/>
           </a:xfrm>
           <a:prstGeom prst="rect">
             <a:avLst/>
@@ -19467,7 +19467,7 @@
         <p:spPr>
           <a:xfrm>
             <a:off x="586440" y="1246680"/>
-            <a:ext cx="4003560" cy="3599280"/>
+            <a:ext cx="4003200" cy="3598920"/>
           </a:xfrm>
           <a:prstGeom prst="rect">
             <a:avLst/>
@@ -19519,7 +19519,7 @@
         <p:spPr>
           <a:xfrm>
             <a:off x="559800" y="446040"/>
-            <a:ext cx="4282920" cy="682920"/>
+            <a:ext cx="4282560" cy="682560"/>
           </a:xfrm>
           <a:prstGeom prst="rect">
             <a:avLst/>
@@ -19571,7 +19571,7 @@
         <p:spPr>
           <a:xfrm>
             <a:off x="5097600" y="360"/>
-            <a:ext cx="4379040" cy="5143320"/>
+            <a:ext cx="4378680" cy="5142960"/>
           </a:xfrm>
           <a:prstGeom prst="roundRect">
             <a:avLst>
@@ -19636,8 +19636,8 @@
         </p:nvSpPr>
         <p:spPr>
           <a:xfrm rot="2744400">
-            <a:off x="-280080" y="-25560"/>
-            <a:ext cx="703800" cy="703440"/>
+            <a:off x="-279720" y="-25560"/>
+            <a:ext cx="703440" cy="703080"/>
           </a:xfrm>
           <a:prstGeom prst="roundRect">
             <a:avLst>
@@ -19674,8 +19674,8 @@
         </p:nvSpPr>
         <p:spPr>
           <a:xfrm rot="2625600">
-            <a:off x="4861080" y="4146480"/>
-            <a:ext cx="467640" cy="467640"/>
+            <a:off x="4861080" y="4146120"/>
+            <a:ext cx="467280" cy="467280"/>
           </a:xfrm>
           <a:prstGeom prst="roundRect">
             <a:avLst>
@@ -19749,8 +19749,8 @@
         </p:nvSpPr>
         <p:spPr>
           <a:xfrm rot="2744400">
-            <a:off x="-349200" y="4539600"/>
-            <a:ext cx="703800" cy="703440"/>
+            <a:off x="-348840" y="4539240"/>
+            <a:ext cx="703440" cy="703080"/>
           </a:xfrm>
           <a:prstGeom prst="roundRect">
             <a:avLst>
@@ -19787,8 +19787,8 @@
         </p:nvSpPr>
         <p:spPr>
           <a:xfrm rot="19228200">
-            <a:off x="5845680" y="-2265840"/>
-            <a:ext cx="4854600" cy="7725600"/>
+            <a:off x="5845680" y="-2265480"/>
+            <a:ext cx="4854240" cy="7725240"/>
           </a:xfrm>
           <a:prstGeom prst="roundRect">
             <a:avLst>
@@ -19826,9 +19826,9 @@
         <p:grpSpPr>
           <a:xfrm>
             <a:off x="4571640" y="828000"/>
-            <a:ext cx="4467600" cy="3563640"/>
+            <a:ext cx="4467240" cy="3563280"/>
             <a:chOff x="4571640" y="828000"/>
-            <a:chExt cx="4467600" cy="3563640"/>
+            <a:chExt cx="4467240" cy="3563280"/>
           </a:xfrm>
         </p:grpSpPr>
         <p:pic>
@@ -19844,7 +19844,7 @@
           <p:spPr>
             <a:xfrm>
               <a:off x="4571640" y="828000"/>
-              <a:ext cx="4467600" cy="3563640"/>
+              <a:ext cx="4467240" cy="3563280"/>
             </a:xfrm>
             <a:prstGeom prst="rect">
               <a:avLst/>
@@ -19862,8 +19862,8 @@
           </p:nvSpPr>
           <p:spPr>
             <a:xfrm rot="16200000">
-              <a:off x="5962680" y="1159560"/>
-              <a:ext cx="1736640" cy="2770560"/>
+              <a:off x="5962680" y="1159920"/>
+              <a:ext cx="1736280" cy="2770200"/>
             </a:xfrm>
             <a:prstGeom prst="roundRect">
               <a:avLst>
@@ -19930,7 +19930,7 @@
         <p:spPr>
           <a:xfrm>
             <a:off x="586440" y="1246680"/>
-            <a:ext cx="4003560" cy="3599280"/>
+            <a:ext cx="4003200" cy="3598920"/>
           </a:xfrm>
           <a:prstGeom prst="rect">
             <a:avLst/>
@@ -19982,7 +19982,7 @@
         <p:spPr>
           <a:xfrm>
             <a:off x="5446080" y="1672200"/>
-            <a:ext cx="2779560" cy="1736640"/>
+            <a:ext cx="2779200" cy="1736280"/>
           </a:xfrm>
           <a:prstGeom prst="rect">
             <a:avLst/>
@@ -20034,7 +20034,7 @@
         <p:spPr>
           <a:xfrm>
             <a:off x="586440" y="453960"/>
-            <a:ext cx="3696120" cy="854640"/>
+            <a:ext cx="3695760" cy="854280"/>
           </a:xfrm>
           <a:prstGeom prst="rect">
             <a:avLst/>
@@ -20123,7 +20123,7 @@
         <p:spPr>
           <a:xfrm>
             <a:off x="4222080" y="1246680"/>
-            <a:ext cx="4114440" cy="3599280"/>
+            <a:ext cx="4114080" cy="3598920"/>
           </a:xfrm>
           <a:prstGeom prst="rect">
             <a:avLst/>
@@ -20174,8 +20174,8 @@
         </p:nvSpPr>
         <p:spPr>
           <a:xfrm rot="16200000">
-            <a:off x="-2181600" y="1734120"/>
-            <a:ext cx="5143320" cy="1683360"/>
+            <a:off x="-2181600" y="1734480"/>
+            <a:ext cx="5142960" cy="1683000"/>
           </a:xfrm>
           <a:prstGeom prst="roundRect">
             <a:avLst>
@@ -20212,8 +20212,8 @@
         </p:nvSpPr>
         <p:spPr>
           <a:xfrm rot="2745000">
-            <a:off x="8575200" y="103320"/>
-            <a:ext cx="1131840" cy="1131480"/>
+            <a:off x="8575200" y="102960"/>
+            <a:ext cx="1131480" cy="1131120"/>
           </a:xfrm>
           <a:prstGeom prst="roundRect">
             <a:avLst>
@@ -20250,8 +20250,8 @@
         </p:nvSpPr>
         <p:spPr>
           <a:xfrm rot="16200000">
-            <a:off x="614880" y="919440"/>
-            <a:ext cx="3231360" cy="3313080"/>
+            <a:off x="614880" y="919800"/>
+            <a:ext cx="3231000" cy="3312720"/>
           </a:xfrm>
           <a:prstGeom prst="roundRect">
             <a:avLst>
@@ -20317,7 +20317,7 @@
         <p:spPr>
           <a:xfrm>
             <a:off x="4214160" y="456120"/>
-            <a:ext cx="4111200" cy="854640"/>
+            <a:ext cx="4110840" cy="854280"/>
           </a:xfrm>
           <a:prstGeom prst="rect">
             <a:avLst/>
